--- a/assets/reports/20201015_introduction.pptx
+++ b/assets/reports/20201015_introduction.pptx
@@ -128,6 +128,32 @@
 </p:presentation>
 </file>
 
+<file path=ppt/commentAuthors.xml><?xml version="1.0" encoding="utf-8"?>
+<p:cmAuthorLst xmlns:a="http://schemas.openxmlformats.org/drawingml/2006/main" xmlns:r="http://schemas.openxmlformats.org/officeDocument/2006/relationships" xmlns:p="http://schemas.openxmlformats.org/presentationml/2006/main">
+  <p:cmAuthor id="1" name="Wang, Yi" initials="WY" lastIdx="6" clrIdx="0">
+    <p:extLst>
+      <p:ext uri="{19B8F6BF-5375-455C-9EA6-DF929625EA0E}">
+        <p15:presenceInfo xmlns:p15="http://schemas.microsoft.com/office/powerpoint/2012/main" userId="S-1-5-21-1156737867-681972312-1097073633-514260" providerId="AD"/>
+      </p:ext>
+    </p:extLst>
+  </p:cmAuthor>
+</p:cmAuthorLst>
+</file>
+
+<file path=ppt/comments/comment1.xml><?xml version="1.0" encoding="utf-8"?>
+<p:cmLst xmlns:a="http://schemas.openxmlformats.org/drawingml/2006/main" xmlns:r="http://schemas.openxmlformats.org/officeDocument/2006/relationships" xmlns:p="http://schemas.openxmlformats.org/presentationml/2006/main">
+  <p:cm authorId="1" dt="2020-10-14T11:05:01.209" idx="3">
+    <p:pos x="1464" y="798"/>
+    <p:text>new definition?</p:text>
+    <p:extLst>
+      <p:ext uri="{C676402C-5697-4E1C-873F-D02D1690AC5C}">
+        <p15:threadingInfo xmlns:p15="http://schemas.microsoft.com/office/powerpoint/2012/main" timeZoneBias="-120"/>
+      </p:ext>
+    </p:extLst>
+  </p:cm>
+</p:cmLst>
+</file>
+
 <file path=ppt/handoutMasters/handoutMaster1.xml><?xml version="1.0" encoding="utf-8"?>
 <p:handoutMaster xmlns:a="http://schemas.openxmlformats.org/drawingml/2006/main" xmlns:r="http://schemas.openxmlformats.org/officeDocument/2006/relationships" xmlns:p="http://schemas.openxmlformats.org/presentationml/2006/main">
   <p:cSld>
@@ -178,10 +204,9 @@
           </a:lstStyle>
           <a:p>
             <a:r>
-              <a:rPr lang="en-US" smtClean="0"/>
+              <a:rPr lang="en-US"/>
               <a:t>Building Vectorization</a:t>
             </a:r>
-            <a:endParaRPr lang="en-US"/>
           </a:p>
         </p:txBody>
       </p:sp>
@@ -214,7 +239,7 @@
           <a:p>
             <a:fld id="{B4F92756-C5E1-414C-8D5B-61B7E77715E2}" type="datetimeFigureOut">
               <a:rPr lang="en-US" smtClean="0"/>
-              <a:t>10/13/2020</a:t>
+              <a:t>10/14/2020</a:t>
             </a:fld>
             <a:endParaRPr lang="en-US"/>
           </a:p>
@@ -348,10 +373,9 @@
           </a:lstStyle>
           <a:p>
             <a:r>
-              <a:rPr lang="en-US" smtClean="0"/>
+              <a:rPr lang="en-US"/>
               <a:t>Building Vectorization</a:t>
             </a:r>
-            <a:endParaRPr lang="en-US"/>
           </a:p>
         </p:txBody>
       </p:sp>
@@ -384,7 +408,7 @@
           <a:p>
             <a:fld id="{DBA1148A-302C-4EB9-A1FB-86FEBAF3649D}" type="datetimeFigureOut">
               <a:rPr lang="en-US" smtClean="0"/>
-              <a:t>10/13/2020</a:t>
+              <a:t>10/14/2020</a:t>
             </a:fld>
             <a:endParaRPr lang="en-US"/>
           </a:p>
@@ -448,38 +472,37 @@
           <a:p>
             <a:pPr lvl="0"/>
             <a:r>
-              <a:rPr lang="en-US" smtClean="0"/>
+              <a:rPr lang="en-US"/>
               <a:t>Edit Master text styles</a:t>
             </a:r>
           </a:p>
           <a:p>
             <a:pPr lvl="1"/>
             <a:r>
-              <a:rPr lang="en-US" smtClean="0"/>
+              <a:rPr lang="en-US"/>
               <a:t>Second level</a:t>
             </a:r>
           </a:p>
           <a:p>
             <a:pPr lvl="2"/>
             <a:r>
-              <a:rPr lang="en-US" smtClean="0"/>
+              <a:rPr lang="en-US"/>
               <a:t>Third level</a:t>
             </a:r>
           </a:p>
           <a:p>
             <a:pPr lvl="3"/>
             <a:r>
-              <a:rPr lang="en-US" smtClean="0"/>
+              <a:rPr lang="en-US"/>
               <a:t>Fourth level</a:t>
             </a:r>
           </a:p>
           <a:p>
             <a:pPr lvl="4"/>
             <a:r>
-              <a:rPr lang="en-US" smtClean="0"/>
+              <a:rPr lang="en-US"/>
               <a:t>Fifth level</a:t>
             </a:r>
-            <a:endParaRPr lang="en-US"/>
           </a:p>
         </p:txBody>
       </p:sp>
@@ -695,10 +718,9 @@
           </a:lstStyle>
           <a:p>
             <a:r>
-              <a:rPr lang="en-US" smtClean="0"/>
+              <a:rPr lang="en-US"/>
               <a:t>Click to edit Master title style</a:t>
             </a:r>
-            <a:endParaRPr lang="en-US"/>
           </a:p>
         </p:txBody>
       </p:sp>
@@ -760,10 +782,9 @@
           </a:lstStyle>
           <a:p>
             <a:r>
-              <a:rPr lang="en-US" smtClean="0"/>
+              <a:rPr lang="en-US"/>
               <a:t>Click to edit Master subtitle style</a:t>
             </a:r>
-            <a:endParaRPr lang="en-US"/>
           </a:p>
         </p:txBody>
       </p:sp>
@@ -800,13 +821,6 @@
   <p:clrMapOvr>
     <a:masterClrMapping/>
   </p:clrMapOvr>
-  <p:timing>
-    <p:tnLst>
-      <p:par>
-        <p:cTn id="1" dur="indefinite" restart="never" nodeType="tmRoot"/>
-      </p:par>
-    </p:tnLst>
-  </p:timing>
 </p:sldLayout>
 </file>
 
@@ -843,10 +857,9 @@
           <a:lstStyle/>
           <a:p>
             <a:r>
-              <a:rPr lang="en-US" smtClean="0"/>
+              <a:rPr lang="en-US"/>
               <a:t>Click to edit Master title style</a:t>
             </a:r>
-            <a:endParaRPr lang="en-US"/>
           </a:p>
         </p:txBody>
       </p:sp>
@@ -867,38 +880,37 @@
           <a:p>
             <a:pPr lvl="0"/>
             <a:r>
-              <a:rPr lang="en-US" smtClean="0"/>
+              <a:rPr lang="en-US"/>
               <a:t>Edit Master text styles</a:t>
             </a:r>
           </a:p>
           <a:p>
             <a:pPr lvl="1"/>
             <a:r>
-              <a:rPr lang="en-US" smtClean="0"/>
+              <a:rPr lang="en-US"/>
               <a:t>Second level</a:t>
             </a:r>
           </a:p>
           <a:p>
             <a:pPr lvl="2"/>
             <a:r>
-              <a:rPr lang="en-US" smtClean="0"/>
+              <a:rPr lang="en-US"/>
               <a:t>Third level</a:t>
             </a:r>
           </a:p>
           <a:p>
             <a:pPr lvl="3"/>
             <a:r>
-              <a:rPr lang="en-US" smtClean="0"/>
+              <a:rPr lang="en-US"/>
               <a:t>Fourth level</a:t>
             </a:r>
           </a:p>
           <a:p>
             <a:pPr lvl="4"/>
             <a:r>
-              <a:rPr lang="en-US" smtClean="0"/>
+              <a:rPr lang="en-US"/>
               <a:t>Fifth level</a:t>
             </a:r>
-            <a:endParaRPr lang="en-US"/>
           </a:p>
         </p:txBody>
       </p:sp>
@@ -927,7 +939,7 @@
           <a:p>
             <a:fld id="{D297983E-23AF-46F8-876A-BC580C1FAACC}" type="datetime1">
               <a:rPr lang="en-US" smtClean="0"/>
-              <a:t>10/13/2020</a:t>
+              <a:t>10/14/2020</a:t>
             </a:fld>
             <a:endParaRPr lang="en-US"/>
           </a:p>
@@ -1034,10 +1046,9 @@
           <a:lstStyle/>
           <a:p>
             <a:r>
-              <a:rPr lang="en-US" smtClean="0"/>
+              <a:rPr lang="en-US"/>
               <a:t>Click to edit Master title style</a:t>
             </a:r>
-            <a:endParaRPr lang="en-US"/>
           </a:p>
         </p:txBody>
       </p:sp>
@@ -1063,38 +1074,37 @@
           <a:p>
             <a:pPr lvl="0"/>
             <a:r>
-              <a:rPr lang="en-US" smtClean="0"/>
+              <a:rPr lang="en-US"/>
               <a:t>Edit Master text styles</a:t>
             </a:r>
           </a:p>
           <a:p>
             <a:pPr lvl="1"/>
             <a:r>
-              <a:rPr lang="en-US" smtClean="0"/>
+              <a:rPr lang="en-US"/>
               <a:t>Second level</a:t>
             </a:r>
           </a:p>
           <a:p>
             <a:pPr lvl="2"/>
             <a:r>
-              <a:rPr lang="en-US" smtClean="0"/>
+              <a:rPr lang="en-US"/>
               <a:t>Third level</a:t>
             </a:r>
           </a:p>
           <a:p>
             <a:pPr lvl="3"/>
             <a:r>
-              <a:rPr lang="en-US" smtClean="0"/>
+              <a:rPr lang="en-US"/>
               <a:t>Fourth level</a:t>
             </a:r>
           </a:p>
           <a:p>
             <a:pPr lvl="4"/>
             <a:r>
-              <a:rPr lang="en-US" smtClean="0"/>
+              <a:rPr lang="en-US"/>
               <a:t>Fifth level</a:t>
             </a:r>
-            <a:endParaRPr lang="en-US"/>
           </a:p>
         </p:txBody>
       </p:sp>
@@ -1123,7 +1133,7 @@
           <a:p>
             <a:fld id="{52A45906-4D2D-4E18-B9FE-9E3145B39EAE}" type="datetime1">
               <a:rPr lang="en-US" smtClean="0"/>
-              <a:t>10/13/2020</a:t>
+              <a:t>10/14/2020</a:t>
             </a:fld>
             <a:endParaRPr lang="en-US"/>
           </a:p>
@@ -3705,10 +3715,9 @@
           <a:lstStyle/>
           <a:p>
             <a:r>
-              <a:rPr lang="en-US" smtClean="0"/>
+              <a:rPr lang="en-US"/>
               <a:t>Click to edit Master title style</a:t>
             </a:r>
-            <a:endParaRPr lang="en-US"/>
           </a:p>
         </p:txBody>
       </p:sp>
@@ -3729,38 +3738,37 @@
           <a:p>
             <a:pPr lvl="0"/>
             <a:r>
-              <a:rPr lang="en-US" smtClean="0"/>
+              <a:rPr lang="en-US"/>
               <a:t>Edit Master text styles</a:t>
             </a:r>
           </a:p>
           <a:p>
             <a:pPr lvl="1"/>
             <a:r>
-              <a:rPr lang="en-US" smtClean="0"/>
+              <a:rPr lang="en-US"/>
               <a:t>Second level</a:t>
             </a:r>
           </a:p>
           <a:p>
             <a:pPr lvl="2"/>
             <a:r>
-              <a:rPr lang="en-US" smtClean="0"/>
+              <a:rPr lang="en-US"/>
               <a:t>Third level</a:t>
             </a:r>
           </a:p>
           <a:p>
             <a:pPr lvl="3"/>
             <a:r>
-              <a:rPr lang="en-US" smtClean="0"/>
+              <a:rPr lang="en-US"/>
               <a:t>Fourth level</a:t>
             </a:r>
           </a:p>
           <a:p>
             <a:pPr lvl="4"/>
             <a:r>
-              <a:rPr lang="en-US" smtClean="0"/>
+              <a:rPr lang="en-US"/>
               <a:t>Fifth level</a:t>
             </a:r>
-            <a:endParaRPr lang="en-US"/>
           </a:p>
         </p:txBody>
       </p:sp>
@@ -3797,13 +3805,6 @@
   <p:clrMapOvr>
     <a:masterClrMapping/>
   </p:clrMapOvr>
-  <p:timing>
-    <p:tnLst>
-      <p:par>
-        <p:cTn id="1" dur="indefinite" restart="never" nodeType="tmRoot"/>
-      </p:par>
-    </p:tnLst>
-  </p:timing>
 </p:sldLayout>
 </file>
 
@@ -7286,10 +7287,9 @@
           </a:lstStyle>
           <a:p>
             <a:r>
-              <a:rPr lang="en-US" smtClean="0"/>
+              <a:rPr lang="en-US"/>
               <a:t>Click to edit Master title style</a:t>
             </a:r>
-            <a:endParaRPr lang="en-US"/>
           </a:p>
         </p:txBody>
       </p:sp>
@@ -7406,7 +7406,7 @@
           <a:p>
             <a:pPr lvl="0"/>
             <a:r>
-              <a:rPr lang="en-US" smtClean="0"/>
+              <a:rPr lang="en-US"/>
               <a:t>Edit Master text styles</a:t>
             </a:r>
           </a:p>
@@ -7437,7 +7437,7 @@
           <a:p>
             <a:fld id="{456A3C91-B8C5-425F-9BFC-06B81986C584}" type="datetime1">
               <a:rPr lang="en-US" smtClean="0"/>
-              <a:t>10/13/2020</a:t>
+              <a:t>10/14/2020</a:t>
             </a:fld>
             <a:endParaRPr lang="en-US"/>
           </a:p>
@@ -7517,13 +7517,6 @@
   <p:clrMapOvr>
     <a:masterClrMapping/>
   </p:clrMapOvr>
-  <p:timing>
-    <p:tnLst>
-      <p:par>
-        <p:cTn id="1" dur="indefinite" restart="never" nodeType="tmRoot"/>
-      </p:par>
-    </p:tnLst>
-  </p:timing>
 </p:sldLayout>
 </file>
 
@@ -8579,10 +8572,9 @@
           <a:lstStyle/>
           <a:p>
             <a:r>
-              <a:rPr lang="en-US" smtClean="0"/>
+              <a:rPr lang="en-US"/>
               <a:t>Click to edit Master title style</a:t>
             </a:r>
-            <a:endParaRPr lang="en-US"/>
           </a:p>
         </p:txBody>
       </p:sp>
@@ -8608,38 +8600,37 @@
           <a:p>
             <a:pPr lvl="0"/>
             <a:r>
-              <a:rPr lang="en-US" smtClean="0"/>
+              <a:rPr lang="en-US"/>
               <a:t>Edit Master text styles</a:t>
             </a:r>
           </a:p>
           <a:p>
             <a:pPr lvl="1"/>
             <a:r>
-              <a:rPr lang="en-US" smtClean="0"/>
+              <a:rPr lang="en-US"/>
               <a:t>Second level</a:t>
             </a:r>
           </a:p>
           <a:p>
             <a:pPr lvl="2"/>
             <a:r>
-              <a:rPr lang="en-US" smtClean="0"/>
+              <a:rPr lang="en-US"/>
               <a:t>Third level</a:t>
             </a:r>
           </a:p>
           <a:p>
             <a:pPr lvl="3"/>
             <a:r>
-              <a:rPr lang="en-US" smtClean="0"/>
+              <a:rPr lang="en-US"/>
               <a:t>Fourth level</a:t>
             </a:r>
           </a:p>
           <a:p>
             <a:pPr lvl="4"/>
             <a:r>
-              <a:rPr lang="en-US" smtClean="0"/>
+              <a:rPr lang="en-US"/>
               <a:t>Fifth level</a:t>
             </a:r>
-            <a:endParaRPr lang="en-US"/>
           </a:p>
         </p:txBody>
       </p:sp>
@@ -8665,38 +8656,37 @@
           <a:p>
             <a:pPr lvl="0"/>
             <a:r>
-              <a:rPr lang="en-US" smtClean="0"/>
+              <a:rPr lang="en-US"/>
               <a:t>Edit Master text styles</a:t>
             </a:r>
           </a:p>
           <a:p>
             <a:pPr lvl="1"/>
             <a:r>
-              <a:rPr lang="en-US" smtClean="0"/>
+              <a:rPr lang="en-US"/>
               <a:t>Second level</a:t>
             </a:r>
           </a:p>
           <a:p>
             <a:pPr lvl="2"/>
             <a:r>
-              <a:rPr lang="en-US" smtClean="0"/>
+              <a:rPr lang="en-US"/>
               <a:t>Third level</a:t>
             </a:r>
           </a:p>
           <a:p>
             <a:pPr lvl="3"/>
             <a:r>
-              <a:rPr lang="en-US" smtClean="0"/>
+              <a:rPr lang="en-US"/>
               <a:t>Fourth level</a:t>
             </a:r>
           </a:p>
           <a:p>
             <a:pPr lvl="4"/>
             <a:r>
-              <a:rPr lang="en-US" smtClean="0"/>
+              <a:rPr lang="en-US"/>
               <a:t>Fifth level</a:t>
             </a:r>
-            <a:endParaRPr lang="en-US"/>
           </a:p>
         </p:txBody>
       </p:sp>
@@ -8725,7 +8715,7 @@
           <a:p>
             <a:fld id="{A9D1A30E-DE6B-4770-8757-4DEC6351863C}" type="datetime1">
               <a:rPr lang="en-US" smtClean="0"/>
-              <a:t>10/13/2020</a:t>
+              <a:t>10/14/2020</a:t>
             </a:fld>
             <a:endParaRPr lang="en-US" dirty="0"/>
           </a:p>
@@ -8832,10 +8822,9 @@
           <a:lstStyle/>
           <a:p>
             <a:r>
-              <a:rPr lang="en-US" smtClean="0"/>
+              <a:rPr lang="en-US"/>
               <a:t>Click to edit Master title style</a:t>
             </a:r>
-            <a:endParaRPr lang="en-US"/>
           </a:p>
         </p:txBody>
       </p:sp>
@@ -8898,7 +8887,7 @@
           <a:p>
             <a:pPr lvl="0"/>
             <a:r>
-              <a:rPr lang="en-US" smtClean="0"/>
+              <a:rPr lang="en-US"/>
               <a:t>Edit Master text styles</a:t>
             </a:r>
           </a:p>
@@ -8926,38 +8915,37 @@
           <a:p>
             <a:pPr lvl="0"/>
             <a:r>
-              <a:rPr lang="en-US" smtClean="0"/>
+              <a:rPr lang="en-US"/>
               <a:t>Edit Master text styles</a:t>
             </a:r>
           </a:p>
           <a:p>
             <a:pPr lvl="1"/>
             <a:r>
-              <a:rPr lang="en-US" smtClean="0"/>
+              <a:rPr lang="en-US"/>
               <a:t>Second level</a:t>
             </a:r>
           </a:p>
           <a:p>
             <a:pPr lvl="2"/>
             <a:r>
-              <a:rPr lang="en-US" smtClean="0"/>
+              <a:rPr lang="en-US"/>
               <a:t>Third level</a:t>
             </a:r>
           </a:p>
           <a:p>
             <a:pPr lvl="3"/>
             <a:r>
-              <a:rPr lang="en-US" smtClean="0"/>
+              <a:rPr lang="en-US"/>
               <a:t>Fourth level</a:t>
             </a:r>
           </a:p>
           <a:p>
             <a:pPr lvl="4"/>
             <a:r>
-              <a:rPr lang="en-US" smtClean="0"/>
+              <a:rPr lang="en-US"/>
               <a:t>Fifth level</a:t>
             </a:r>
-            <a:endParaRPr lang="en-US"/>
           </a:p>
         </p:txBody>
       </p:sp>
@@ -9020,7 +9008,7 @@
           <a:p>
             <a:pPr lvl="0"/>
             <a:r>
-              <a:rPr lang="en-US" smtClean="0"/>
+              <a:rPr lang="en-US"/>
               <a:t>Edit Master text styles</a:t>
             </a:r>
           </a:p>
@@ -9048,38 +9036,37 @@
           <a:p>
             <a:pPr lvl="0"/>
             <a:r>
-              <a:rPr lang="en-US" smtClean="0"/>
+              <a:rPr lang="en-US"/>
               <a:t>Edit Master text styles</a:t>
             </a:r>
           </a:p>
           <a:p>
             <a:pPr lvl="1"/>
             <a:r>
-              <a:rPr lang="en-US" smtClean="0"/>
+              <a:rPr lang="en-US"/>
               <a:t>Second level</a:t>
             </a:r>
           </a:p>
           <a:p>
             <a:pPr lvl="2"/>
             <a:r>
-              <a:rPr lang="en-US" smtClean="0"/>
+              <a:rPr lang="en-US"/>
               <a:t>Third level</a:t>
             </a:r>
           </a:p>
           <a:p>
             <a:pPr lvl="3"/>
             <a:r>
-              <a:rPr lang="en-US" smtClean="0"/>
+              <a:rPr lang="en-US"/>
               <a:t>Fourth level</a:t>
             </a:r>
           </a:p>
           <a:p>
             <a:pPr lvl="4"/>
             <a:r>
-              <a:rPr lang="en-US" smtClean="0"/>
+              <a:rPr lang="en-US"/>
               <a:t>Fifth level</a:t>
             </a:r>
-            <a:endParaRPr lang="en-US"/>
           </a:p>
         </p:txBody>
       </p:sp>
@@ -9108,7 +9095,7 @@
           <a:p>
             <a:fld id="{71060DF7-3B66-43F4-ABA6-8DE1125C1915}" type="datetime1">
               <a:rPr lang="en-US" smtClean="0"/>
-              <a:t>10/13/2020</a:t>
+              <a:t>10/14/2020</a:t>
             </a:fld>
             <a:endParaRPr lang="en-US"/>
           </a:p>
@@ -9210,10 +9197,9 @@
           <a:lstStyle/>
           <a:p>
             <a:r>
-              <a:rPr lang="en-US" smtClean="0"/>
+              <a:rPr lang="en-US"/>
               <a:t>Click to edit Master title style</a:t>
             </a:r>
-            <a:endParaRPr lang="en-US"/>
           </a:p>
         </p:txBody>
       </p:sp>
@@ -9242,7 +9228,7 @@
           <a:p>
             <a:fld id="{9F8FB16D-8B03-47E2-9BF4-98200CBA3CA6}" type="datetime1">
               <a:rPr lang="en-US" smtClean="0"/>
-              <a:t>10/13/2020</a:t>
+              <a:t>10/14/2020</a:t>
             </a:fld>
             <a:endParaRPr lang="en-US"/>
           </a:p>
@@ -9353,7 +9339,7 @@
           <a:p>
             <a:fld id="{A7875D1E-13AE-46BB-8C89-5C78B94C366E}" type="datetime1">
               <a:rPr lang="en-US" smtClean="0"/>
-              <a:t>10/13/2020</a:t>
+              <a:t>10/14/2020</a:t>
             </a:fld>
             <a:endParaRPr lang="en-US"/>
           </a:p>
@@ -9464,10 +9450,9 @@
           </a:lstStyle>
           <a:p>
             <a:r>
-              <a:rPr lang="en-US" smtClean="0"/>
+              <a:rPr lang="en-US"/>
               <a:t>Click to edit Master title style</a:t>
             </a:r>
-            <a:endParaRPr lang="en-US"/>
           </a:p>
         </p:txBody>
       </p:sp>
@@ -9521,38 +9506,37 @@
           <a:p>
             <a:pPr lvl="0"/>
             <a:r>
-              <a:rPr lang="en-US" smtClean="0"/>
+              <a:rPr lang="en-US"/>
               <a:t>Edit Master text styles</a:t>
             </a:r>
           </a:p>
           <a:p>
             <a:pPr lvl="1"/>
             <a:r>
-              <a:rPr lang="en-US" smtClean="0"/>
+              <a:rPr lang="en-US"/>
               <a:t>Second level</a:t>
             </a:r>
           </a:p>
           <a:p>
             <a:pPr lvl="2"/>
             <a:r>
-              <a:rPr lang="en-US" smtClean="0"/>
+              <a:rPr lang="en-US"/>
               <a:t>Third level</a:t>
             </a:r>
           </a:p>
           <a:p>
             <a:pPr lvl="3"/>
             <a:r>
-              <a:rPr lang="en-US" smtClean="0"/>
+              <a:rPr lang="en-US"/>
               <a:t>Fourth level</a:t>
             </a:r>
           </a:p>
           <a:p>
             <a:pPr lvl="4"/>
             <a:r>
-              <a:rPr lang="en-US" smtClean="0"/>
+              <a:rPr lang="en-US"/>
               <a:t>Fifth level</a:t>
             </a:r>
-            <a:endParaRPr lang="en-US"/>
           </a:p>
         </p:txBody>
       </p:sp>
@@ -9615,7 +9599,7 @@
           <a:p>
             <a:pPr lvl="0"/>
             <a:r>
-              <a:rPr lang="en-US" smtClean="0"/>
+              <a:rPr lang="en-US"/>
               <a:t>Edit Master text styles</a:t>
             </a:r>
           </a:p>
@@ -9646,7 +9630,7 @@
           <a:p>
             <a:fld id="{296CB1A1-10B4-4A56-9A36-6D445BD9D6E5}" type="datetime1">
               <a:rPr lang="en-US" smtClean="0"/>
-              <a:t>10/13/2020</a:t>
+              <a:t>10/14/2020</a:t>
             </a:fld>
             <a:endParaRPr lang="en-US"/>
           </a:p>
@@ -9757,10 +9741,9 @@
           </a:lstStyle>
           <a:p>
             <a:r>
-              <a:rPr lang="en-US" smtClean="0"/>
+              <a:rPr lang="en-US"/>
               <a:t>Click to edit Master title style</a:t>
             </a:r>
-            <a:endParaRPr lang="en-US"/>
           </a:p>
         </p:txBody>
       </p:sp>
@@ -9822,10 +9805,9 @@
           </a:lstStyle>
           <a:p>
             <a:r>
-              <a:rPr lang="en-US" smtClean="0"/>
+              <a:rPr lang="en-US"/>
               <a:t>Click icon to add picture</a:t>
             </a:r>
-            <a:endParaRPr lang="en-US"/>
           </a:p>
         </p:txBody>
       </p:sp>
@@ -9888,7 +9870,7 @@
           <a:p>
             <a:pPr lvl="0"/>
             <a:r>
-              <a:rPr lang="en-US" smtClean="0"/>
+              <a:rPr lang="en-US"/>
               <a:t>Edit Master text styles</a:t>
             </a:r>
           </a:p>
@@ -9919,7 +9901,7 @@
           <a:p>
             <a:fld id="{ED2AB522-E6A2-4B46-A750-7AF9600B9FCE}" type="datetime1">
               <a:rPr lang="en-US" smtClean="0"/>
-              <a:t>10/13/2020</a:t>
+              <a:t>10/14/2020</a:t>
             </a:fld>
             <a:endParaRPr lang="en-US"/>
           </a:p>
@@ -10036,10 +10018,9 @@
           <a:lstStyle/>
           <a:p>
             <a:r>
-              <a:rPr lang="en-US" smtClean="0"/>
+              <a:rPr lang="en-US"/>
               <a:t>Click to edit Master title style</a:t>
             </a:r>
-            <a:endParaRPr lang="en-US"/>
           </a:p>
         </p:txBody>
       </p:sp>
@@ -10070,38 +10051,37 @@
           <a:p>
             <a:pPr lvl="0"/>
             <a:r>
-              <a:rPr lang="en-US" smtClean="0"/>
+              <a:rPr lang="en-US"/>
               <a:t>Edit Master text styles</a:t>
             </a:r>
           </a:p>
           <a:p>
             <a:pPr lvl="1"/>
             <a:r>
-              <a:rPr lang="en-US" smtClean="0"/>
+              <a:rPr lang="en-US"/>
               <a:t>Second level</a:t>
             </a:r>
           </a:p>
           <a:p>
             <a:pPr lvl="2"/>
             <a:r>
-              <a:rPr lang="en-US" smtClean="0"/>
+              <a:rPr lang="en-US"/>
               <a:t>Third level</a:t>
             </a:r>
           </a:p>
           <a:p>
             <a:pPr lvl="3"/>
             <a:r>
-              <a:rPr lang="en-US" smtClean="0"/>
+              <a:rPr lang="en-US"/>
               <a:t>Fourth level</a:t>
             </a:r>
           </a:p>
           <a:p>
             <a:pPr lvl="4"/>
             <a:r>
-              <a:rPr lang="en-US" smtClean="0"/>
+              <a:rPr lang="en-US"/>
               <a:t>Fifth level</a:t>
             </a:r>
-            <a:endParaRPr lang="en-US"/>
           </a:p>
         </p:txBody>
       </p:sp>
@@ -10167,13 +10147,6 @@
     <p:sldLayoutId id="2147483658" r:id="rId10"/>
     <p:sldLayoutId id="2147483659" r:id="rId11"/>
   </p:sldLayoutIdLst>
-  <p:timing>
-    <p:tnLst>
-      <p:par>
-        <p:cTn id="1" dur="indefinite" restart="never" nodeType="tmRoot"/>
-      </p:par>
-    </p:tnLst>
-  </p:timing>
   <p:hf hdr="0" ftr="0" dt="0"/>
   <p:txStyles>
     <p:titleStyle>
@@ -11079,7 +11052,7 @@
           <a:lstStyle/>
           <a:p>
             <a:r>
-              <a:rPr lang="en-US" altLang="zh-CN" sz="5400" dirty="0" smtClean="0">
+              <a:rPr lang="en-US" altLang="zh-CN" sz="5400" dirty="0">
                 <a:latin typeface="Tahoma" panose="020B0604030504040204" pitchFamily="34" charset="0"/>
                 <a:ea typeface="Tahoma" panose="020B0604030504040204" pitchFamily="34" charset="0"/>
                 <a:cs typeface="Tahoma" panose="020B0604030504040204" pitchFamily="34" charset="0"/>
@@ -11117,33 +11090,23 @@
           <a:lstStyle/>
           <a:p>
             <a:r>
-              <a:rPr lang="en-US" dirty="0" smtClean="0">
+              <a:rPr lang="en-US" dirty="0">
                 <a:latin typeface="Tahoma" panose="020B0604030504040204" pitchFamily="34" charset="0"/>
                 <a:ea typeface="Tahoma" panose="020B0604030504040204" pitchFamily="34" charset="0"/>
                 <a:cs typeface="Tahoma" panose="020B0604030504040204" pitchFamily="34" charset="0"/>
               </a:rPr>
               <a:t>2020.10.15</a:t>
             </a:r>
-            <a:endParaRPr lang="en-US" dirty="0" smtClean="0">
-              <a:latin typeface="Tahoma" panose="020B0604030504040204" pitchFamily="34" charset="0"/>
-              <a:ea typeface="Tahoma" panose="020B0604030504040204" pitchFamily="34" charset="0"/>
-              <a:cs typeface="Tahoma" panose="020B0604030504040204" pitchFamily="34" charset="0"/>
-            </a:endParaRPr>
-          </a:p>
-          <a:p>
-            <a:r>
-              <a:rPr lang="en-US" dirty="0" smtClean="0">
+          </a:p>
+          <a:p>
+            <a:r>
+              <a:rPr lang="en-US" dirty="0">
                 <a:latin typeface="Tahoma" panose="020B0604030504040204" pitchFamily="34" charset="0"/>
                 <a:ea typeface="Tahoma" panose="020B0604030504040204" pitchFamily="34" charset="0"/>
                 <a:cs typeface="Tahoma" panose="020B0604030504040204" pitchFamily="34" charset="0"/>
               </a:rPr>
               <a:t>Yi Wang</a:t>
             </a:r>
-            <a:endParaRPr lang="en-US" dirty="0">
-              <a:latin typeface="Tahoma" panose="020B0604030504040204" pitchFamily="34" charset="0"/>
-              <a:ea typeface="Tahoma" panose="020B0604030504040204" pitchFamily="34" charset="0"/>
-              <a:cs typeface="Tahoma" panose="020B0604030504040204" pitchFamily="34" charset="0"/>
-            </a:endParaRPr>
           </a:p>
         </p:txBody>
       </p:sp>
@@ -11170,7 +11133,7 @@
           <a:lstStyle/>
           <a:p>
             <a:r>
-              <a:rPr lang="en-US" sz="2000" b="1" i="1" dirty="0" smtClean="0">
+              <a:rPr lang="en-US" sz="2000" b="1" i="1" dirty="0">
                 <a:solidFill>
                   <a:srgbClr val="0070C0"/>
                 </a:solidFill>
@@ -11178,7 +11141,7 @@
               <a:t>Multi-task </a:t>
             </a:r>
             <a:r>
-              <a:rPr lang="en-US" sz="2000" b="1" i="1" dirty="0" err="1" smtClean="0">
+              <a:rPr lang="en-US" sz="2000" b="1" i="1" dirty="0" err="1">
                 <a:solidFill>
                   <a:srgbClr val="0070C0"/>
                 </a:solidFill>
@@ -11186,26 +11149,13 @@
               <a:t>cGAN</a:t>
             </a:r>
             <a:r>
-              <a:rPr lang="en-US" sz="2000" b="1" i="1" dirty="0" smtClean="0">
+              <a:rPr lang="en-US" sz="2000" b="1" i="1" dirty="0">
                 <a:solidFill>
                   <a:srgbClr val="0070C0"/>
                 </a:solidFill>
               </a:rPr>
-              <a:t> </a:t>
-            </a:r>
-            <a:r>
-              <a:rPr lang="en-US" sz="2000" b="1" i="1" dirty="0" smtClean="0">
-                <a:solidFill>
-                  <a:srgbClr val="0070C0"/>
-                </a:solidFill>
-              </a:rPr>
-              <a:t>for 3D Building Vectorization</a:t>
-            </a:r>
-            <a:endParaRPr lang="en-US" sz="2000" b="1" i="1" dirty="0">
-              <a:solidFill>
-                <a:srgbClr val="0070C0"/>
-              </a:solidFill>
-            </a:endParaRPr>
+              <a:t> for 3D Building Vectorization</a:t>
+            </a:r>
           </a:p>
         </p:txBody>
       </p:sp>
@@ -11352,7 +11302,7 @@
           <a:lstStyle/>
           <a:p>
             <a:r>
-              <a:rPr lang="en-US" dirty="0" smtClean="0">
+              <a:rPr lang="en-US" dirty="0">
                 <a:latin typeface="Tahoma" panose="020B0604030504040204" pitchFamily="34" charset="0"/>
                 <a:ea typeface="Tahoma" panose="020B0604030504040204" pitchFamily="34" charset="0"/>
                 <a:cs typeface="Tahoma" panose="020B0604030504040204" pitchFamily="34" charset="0"/>
@@ -11360,7 +11310,7 @@
               <a:t>Supervisor: Dr. </a:t>
             </a:r>
             <a:r>
-              <a:rPr lang="en-US" dirty="0" err="1" smtClean="0">
+              <a:rPr lang="en-US" dirty="0" err="1">
                 <a:latin typeface="Tahoma" panose="020B0604030504040204" pitchFamily="34" charset="0"/>
                 <a:ea typeface="Tahoma" panose="020B0604030504040204" pitchFamily="34" charset="0"/>
                 <a:cs typeface="Tahoma" panose="020B0604030504040204" pitchFamily="34" charset="0"/>
@@ -11368,7 +11318,7 @@
               <a:t>Ksenia</a:t>
             </a:r>
             <a:r>
-              <a:rPr lang="en-US" dirty="0" smtClean="0">
+              <a:rPr lang="en-US" dirty="0">
                 <a:latin typeface="Tahoma" panose="020B0604030504040204" pitchFamily="34" charset="0"/>
                 <a:ea typeface="Tahoma" panose="020B0604030504040204" pitchFamily="34" charset="0"/>
                 <a:cs typeface="Tahoma" panose="020B0604030504040204" pitchFamily="34" charset="0"/>
@@ -11378,7 +11328,7 @@
           </a:p>
           <a:p>
             <a:r>
-              <a:rPr lang="en-US" dirty="0" smtClean="0">
+              <a:rPr lang="en-US" dirty="0">
                 <a:latin typeface="Tahoma" panose="020B0604030504040204" pitchFamily="34" charset="0"/>
                 <a:ea typeface="Tahoma" panose="020B0604030504040204" pitchFamily="34" charset="0"/>
                 <a:cs typeface="Tahoma" panose="020B0604030504040204" pitchFamily="34" charset="0"/>
@@ -11386,7 +11336,7 @@
               <a:t>                 Prof. </a:t>
             </a:r>
             <a:r>
-              <a:rPr lang="en-US" dirty="0" err="1" smtClean="0">
+              <a:rPr lang="en-US" dirty="0" err="1">
                 <a:latin typeface="Tahoma" panose="020B0604030504040204" pitchFamily="34" charset="0"/>
                 <a:ea typeface="Tahoma" panose="020B0604030504040204" pitchFamily="34" charset="0"/>
                 <a:cs typeface="Tahoma" panose="020B0604030504040204" pitchFamily="34" charset="0"/>
@@ -11394,7 +11344,7 @@
               <a:t>Norber</a:t>
             </a:r>
             <a:r>
-              <a:rPr lang="en-US" dirty="0" smtClean="0">
+              <a:rPr lang="en-US" dirty="0">
                 <a:latin typeface="Tahoma" panose="020B0604030504040204" pitchFamily="34" charset="0"/>
                 <a:ea typeface="Tahoma" panose="020B0604030504040204" pitchFamily="34" charset="0"/>
                 <a:cs typeface="Tahoma" panose="020B0604030504040204" pitchFamily="34" charset="0"/>
@@ -11402,7 +11352,7 @@
               <a:t> </a:t>
             </a:r>
             <a:r>
-              <a:rPr lang="en-US" dirty="0" err="1" smtClean="0">
+              <a:rPr lang="en-US" dirty="0" err="1">
                 <a:latin typeface="Tahoma" panose="020B0604030504040204" pitchFamily="34" charset="0"/>
                 <a:ea typeface="Tahoma" panose="020B0604030504040204" pitchFamily="34" charset="0"/>
                 <a:cs typeface="Tahoma" panose="020B0604030504040204" pitchFamily="34" charset="0"/>
@@ -11427,13 +11377,6 @@
   <p:clrMapOvr>
     <a:masterClrMapping/>
   </p:clrMapOvr>
-  <p:timing>
-    <p:tnLst>
-      <p:par>
-        <p:cTn id="1" dur="indefinite" restart="never" nodeType="tmRoot"/>
-      </p:par>
-    </p:tnLst>
-  </p:timing>
 </p:sld>
 </file>
 
@@ -11537,7 +11480,7 @@
           <a:lstStyle/>
           <a:p>
             <a:r>
-              <a:rPr lang="en-US" sz="3200" dirty="0" smtClean="0">
+              <a:rPr lang="en-US" sz="3200" dirty="0">
                 <a:latin typeface="Tahoma" panose="020B0604030504040204" pitchFamily="34" charset="0"/>
                 <a:ea typeface="Tahoma" panose="020B0604030504040204" pitchFamily="34" charset="0"/>
                 <a:cs typeface="Tahoma" panose="020B0604030504040204" pitchFamily="34" charset="0"/>
@@ -11598,20 +11541,12 @@
           <a:lstStyle/>
           <a:p>
             <a:r>
-              <a:rPr lang="en-US" sz="2000" dirty="0" smtClean="0">
-                <a:latin typeface="Tahoma" panose="020B0604030504040204" pitchFamily="34" charset="0"/>
-                <a:ea typeface="Tahoma" panose="020B0604030504040204" pitchFamily="34" charset="0"/>
-                <a:cs typeface="Tahoma" panose="020B0604030504040204" pitchFamily="34" charset="0"/>
-              </a:rPr>
-              <a:t>[1</a:t>
-            </a:r>
-            <a:r>
               <a:rPr lang="en-US" sz="2000" dirty="0">
                 <a:latin typeface="Tahoma" panose="020B0604030504040204" pitchFamily="34" charset="0"/>
                 <a:ea typeface="Tahoma" panose="020B0604030504040204" pitchFamily="34" charset="0"/>
                 <a:cs typeface="Tahoma" panose="020B0604030504040204" pitchFamily="34" charset="0"/>
               </a:rPr>
-              <a:t>] Bittner, </a:t>
+              <a:t>[1] Bittner, </a:t>
             </a:r>
             <a:r>
               <a:rPr lang="en-US" sz="2000" dirty="0" err="1">
@@ -11654,32 +11589,16 @@
               <a:t>cGAN</a:t>
             </a:r>
             <a:r>
-              <a:rPr lang="en-US" sz="2000" dirty="0" smtClean="0">
-                <a:latin typeface="Tahoma" panose="020B0604030504040204" pitchFamily="34" charset="0"/>
-                <a:ea typeface="Tahoma" panose="020B0604030504040204" pitchFamily="34" charset="0"/>
-                <a:cs typeface="Tahoma" panose="020B0604030504040204" pitchFamily="34" charset="0"/>
-              </a:rPr>
-              <a:t>.“ </a:t>
-            </a:r>
-            <a:r>
               <a:rPr lang="en-US" sz="2000" dirty="0">
                 <a:latin typeface="Tahoma" panose="020B0604030504040204" pitchFamily="34" charset="0"/>
                 <a:ea typeface="Tahoma" panose="020B0604030504040204" pitchFamily="34" charset="0"/>
                 <a:cs typeface="Tahoma" panose="020B0604030504040204" pitchFamily="34" charset="0"/>
               </a:rPr>
-              <a:t>Proceedings of the IEEE Conference on Computer Vision and Pattern Recognition Workshops. 2019</a:t>
-            </a:r>
-            <a:r>
-              <a:rPr lang="en-US" sz="2000" dirty="0" smtClean="0">
-                <a:latin typeface="Tahoma" panose="020B0604030504040204" pitchFamily="34" charset="0"/>
-                <a:ea typeface="Tahoma" panose="020B0604030504040204" pitchFamily="34" charset="0"/>
-                <a:cs typeface="Tahoma" panose="020B0604030504040204" pitchFamily="34" charset="0"/>
-              </a:rPr>
-              <a:t>.</a:t>
-            </a:r>
-          </a:p>
-          <a:p>
-            <a:endParaRPr lang="en-US" sz="2000" dirty="0" smtClean="0">
+              <a:t>.“ Proceedings of the IEEE Conference on Computer Vision and Pattern Recognition Workshops. 2019.</a:t>
+            </a:r>
+          </a:p>
+          <a:p>
+            <a:endParaRPr lang="en-US" sz="2000" dirty="0">
               <a:latin typeface="Tahoma" panose="020B0604030504040204" pitchFamily="34" charset="0"/>
               <a:ea typeface="Tahoma" panose="020B0604030504040204" pitchFamily="34" charset="0"/>
               <a:cs typeface="Tahoma" panose="020B0604030504040204" pitchFamily="34" charset="0"/>
@@ -11687,20 +11606,12 @@
           </a:p>
           <a:p>
             <a:r>
-              <a:rPr lang="en-US" sz="2000" dirty="0" smtClean="0">
-                <a:latin typeface="Tahoma" panose="020B0604030504040204" pitchFamily="34" charset="0"/>
-                <a:ea typeface="Tahoma" panose="020B0604030504040204" pitchFamily="34" charset="0"/>
-                <a:cs typeface="Tahoma" panose="020B0604030504040204" pitchFamily="34" charset="0"/>
-              </a:rPr>
-              <a:t>[2</a:t>
-            </a:r>
-            <a:r>
               <a:rPr lang="en-US" sz="2000" dirty="0">
                 <a:latin typeface="Tahoma" panose="020B0604030504040204" pitchFamily="34" charset="0"/>
                 <a:ea typeface="Tahoma" panose="020B0604030504040204" pitchFamily="34" charset="0"/>
                 <a:cs typeface="Tahoma" panose="020B0604030504040204" pitchFamily="34" charset="0"/>
               </a:rPr>
-              <a:t>] </a:t>
+              <a:t>[2] </a:t>
             </a:r>
             <a:r>
               <a:rPr lang="en-US" sz="2000" dirty="0" err="1">
@@ -11716,19 +11627,11 @@
                 <a:ea typeface="Tahoma" panose="020B0604030504040204" pitchFamily="34" charset="0"/>
                 <a:cs typeface="Tahoma" panose="020B0604030504040204" pitchFamily="34" charset="0"/>
               </a:rPr>
-              <a:t>, Ian, et al. "Generative adversarial nets." Advances in neural information processing systems. 2014</a:t>
-            </a:r>
-            <a:r>
-              <a:rPr lang="en-US" sz="2000" dirty="0" smtClean="0">
-                <a:latin typeface="Tahoma" panose="020B0604030504040204" pitchFamily="34" charset="0"/>
-                <a:ea typeface="Tahoma" panose="020B0604030504040204" pitchFamily="34" charset="0"/>
-                <a:cs typeface="Tahoma" panose="020B0604030504040204" pitchFamily="34" charset="0"/>
-              </a:rPr>
-              <a:t>.</a:t>
-            </a:r>
-          </a:p>
-          <a:p>
-            <a:endParaRPr lang="en-US" sz="2000" dirty="0" smtClean="0">
+              <a:t>, Ian, et al. "Generative adversarial nets." Advances in neural information processing systems. 2014.</a:t>
+            </a:r>
+          </a:p>
+          <a:p>
+            <a:endParaRPr lang="en-US" sz="2000" dirty="0">
               <a:latin typeface="Tahoma" panose="020B0604030504040204" pitchFamily="34" charset="0"/>
               <a:ea typeface="Tahoma" panose="020B0604030504040204" pitchFamily="34" charset="0"/>
               <a:cs typeface="Tahoma" panose="020B0604030504040204" pitchFamily="34" charset="0"/>
@@ -11736,32 +11639,16 @@
           </a:p>
           <a:p>
             <a:r>
-              <a:rPr lang="en-US" sz="2000" dirty="0" smtClean="0">
-                <a:latin typeface="Tahoma" panose="020B0604030504040204" pitchFamily="34" charset="0"/>
-                <a:ea typeface="Tahoma" panose="020B0604030504040204" pitchFamily="34" charset="0"/>
-                <a:cs typeface="Tahoma" panose="020B0604030504040204" pitchFamily="34" charset="0"/>
-              </a:rPr>
-              <a:t>[3</a:t>
-            </a:r>
-            <a:r>
               <a:rPr lang="en-US" sz="2000" dirty="0">
                 <a:latin typeface="Tahoma" panose="020B0604030504040204" pitchFamily="34" charset="0"/>
                 <a:ea typeface="Tahoma" panose="020B0604030504040204" pitchFamily="34" charset="0"/>
                 <a:cs typeface="Tahoma" panose="020B0604030504040204" pitchFamily="34" charset="0"/>
               </a:rPr>
-              <a:t>] Isola, Phillip, et al. "Image-to-image translation with conditional adversarial networks." Proceedings of the IEEE conference on computer vision and pattern recognition. 2017</a:t>
-            </a:r>
-            <a:r>
-              <a:rPr lang="en-US" sz="2000" dirty="0" smtClean="0">
-                <a:latin typeface="Tahoma" panose="020B0604030504040204" pitchFamily="34" charset="0"/>
-                <a:ea typeface="Tahoma" panose="020B0604030504040204" pitchFamily="34" charset="0"/>
-                <a:cs typeface="Tahoma" panose="020B0604030504040204" pitchFamily="34" charset="0"/>
-              </a:rPr>
-              <a:t>.</a:t>
-            </a:r>
-          </a:p>
-          <a:p>
-            <a:endParaRPr lang="en-US" sz="2000" dirty="0" smtClean="0">
+              <a:t>[3] Isola, Phillip, et al. "Image-to-image translation with conditional adversarial networks." Proceedings of the IEEE conference on computer vision and pattern recognition. 2017.</a:t>
+            </a:r>
+          </a:p>
+          <a:p>
+            <a:endParaRPr lang="en-US" sz="2000" dirty="0">
               <a:latin typeface="Tahoma" panose="020B0604030504040204" pitchFamily="34" charset="0"/>
               <a:ea typeface="Tahoma" panose="020B0604030504040204" pitchFamily="34" charset="0"/>
               <a:cs typeface="Tahoma" panose="020B0604030504040204" pitchFamily="34" charset="0"/>
@@ -11769,20 +11656,12 @@
           </a:p>
           <a:p>
             <a:r>
-              <a:rPr lang="en-US" sz="2000" dirty="0" smtClean="0">
-                <a:latin typeface="Tahoma" panose="020B0604030504040204" pitchFamily="34" charset="0"/>
-                <a:ea typeface="Tahoma" panose="020B0604030504040204" pitchFamily="34" charset="0"/>
-                <a:cs typeface="Tahoma" panose="020B0604030504040204" pitchFamily="34" charset="0"/>
-              </a:rPr>
-              <a:t>[4</a:t>
-            </a:r>
-            <a:r>
               <a:rPr lang="en-US" sz="2000" dirty="0">
                 <a:latin typeface="Tahoma" panose="020B0604030504040204" pitchFamily="34" charset="0"/>
                 <a:ea typeface="Tahoma" panose="020B0604030504040204" pitchFamily="34" charset="0"/>
                 <a:cs typeface="Tahoma" panose="020B0604030504040204" pitchFamily="34" charset="0"/>
               </a:rPr>
-              <a:t>] Bittner, </a:t>
+              <a:t>[4] Bittner, </a:t>
             </a:r>
             <a:r>
               <a:rPr lang="en-US" sz="2000" dirty="0" err="1">
@@ -11816,11 +11695,6 @@
               </a:rPr>
               <a:t> stereo digital surface model refinement." Remote Sensing 10.12 (2018): 1926.</a:t>
             </a:r>
-            <a:endParaRPr lang="en-US" sz="2000" dirty="0" smtClean="0">
-              <a:latin typeface="Tahoma" panose="020B0604030504040204" pitchFamily="34" charset="0"/>
-              <a:ea typeface="Tahoma" panose="020B0604030504040204" pitchFamily="34" charset="0"/>
-              <a:cs typeface="Tahoma" panose="020B0604030504040204" pitchFamily="34" charset="0"/>
-            </a:endParaRPr>
           </a:p>
         </p:txBody>
       </p:sp>
@@ -11864,13 +11738,6 @@
   <p:clrMapOvr>
     <a:masterClrMapping/>
   </p:clrMapOvr>
-  <p:timing>
-    <p:tnLst>
-      <p:par>
-        <p:cTn id="1" dur="indefinite" restart="never" nodeType="tmRoot"/>
-      </p:par>
-    </p:tnLst>
-  </p:timing>
 </p:sld>
 </file>
 
@@ -11974,7 +11841,7 @@
           <a:lstStyle/>
           <a:p>
             <a:r>
-              <a:rPr lang="en-US" sz="3600" dirty="0" smtClean="0">
+              <a:rPr lang="en-US" sz="3600" dirty="0">
                 <a:latin typeface="Tahoma" panose="020B0604030504040204" pitchFamily="34" charset="0"/>
                 <a:ea typeface="Tahoma" panose="020B0604030504040204" pitchFamily="34" charset="0"/>
                 <a:cs typeface="Tahoma" panose="020B0604030504040204" pitchFamily="34" charset="0"/>
@@ -12016,7 +11883,7 @@
               <a:buChar char="q"/>
             </a:pPr>
             <a:r>
-              <a:rPr lang="en-US" sz="3200" dirty="0" smtClean="0">
+              <a:rPr lang="en-US" sz="3200" dirty="0">
                 <a:solidFill>
                   <a:srgbClr val="002060"/>
                 </a:solidFill>
@@ -12026,7 +11893,13 @@
               </a:rPr>
               <a:t>General idea</a:t>
             </a:r>
-            <a:endParaRPr lang="en-US" sz="3200" dirty="0" smtClean="0">
+          </a:p>
+          <a:p>
+            <a:pPr marL="285750" indent="-285750">
+              <a:buFont typeface="Arial" panose="020B0604020202020204" pitchFamily="34" charset="0"/>
+              <a:buChar char="•"/>
+            </a:pPr>
+            <a:endParaRPr lang="en-US" sz="2800" dirty="0">
               <a:solidFill>
                 <a:srgbClr val="002060"/>
               </a:solidFill>
@@ -12036,11 +11909,28 @@
             </a:endParaRPr>
           </a:p>
           <a:p>
+            <a:pPr marL="457200" indent="-457200">
+              <a:buFont typeface="Wingdings" panose="05000000000000000000" pitchFamily="2" charset="2"/>
+              <a:buChar char="q"/>
+            </a:pPr>
+            <a:r>
+              <a:rPr lang="en-US" sz="3200" dirty="0">
+                <a:solidFill>
+                  <a:srgbClr val="002060"/>
+                </a:solidFill>
+                <a:latin typeface="Tahoma" panose="020B0604030504040204" pitchFamily="34" charset="0"/>
+                <a:ea typeface="Tahoma" panose="020B0604030504040204" pitchFamily="34" charset="0"/>
+                <a:cs typeface="Tahoma" panose="020B0604030504040204" pitchFamily="34" charset="0"/>
+              </a:rPr>
+              <a:t>Methodology</a:t>
+            </a:r>
+          </a:p>
+          <a:p>
             <a:pPr marL="285750" indent="-285750">
               <a:buFont typeface="Arial" panose="020B0604020202020204" pitchFamily="34" charset="0"/>
               <a:buChar char="•"/>
             </a:pPr>
-            <a:endParaRPr lang="en-US" sz="2800" dirty="0" smtClean="0">
+            <a:endParaRPr lang="en-US" altLang="zh-CN" sz="2800" dirty="0">
               <a:solidFill>
                 <a:srgbClr val="002060"/>
               </a:solidFill>
@@ -12055,7 +11945,7 @@
               <a:buChar char="q"/>
             </a:pPr>
             <a:r>
-              <a:rPr lang="en-US" sz="3200" dirty="0" smtClean="0">
+              <a:rPr lang="en-US" sz="3200" dirty="0">
                 <a:solidFill>
                   <a:srgbClr val="002060"/>
                 </a:solidFill>
@@ -12063,55 +11953,8 @@
                 <a:ea typeface="Tahoma" panose="020B0604030504040204" pitchFamily="34" charset="0"/>
                 <a:cs typeface="Tahoma" panose="020B0604030504040204" pitchFamily="34" charset="0"/>
               </a:rPr>
-              <a:t>Methodology</a:t>
-            </a:r>
-            <a:endParaRPr lang="en-US" sz="3200" dirty="0">
-              <a:solidFill>
-                <a:srgbClr val="002060"/>
-              </a:solidFill>
-              <a:latin typeface="Tahoma" panose="020B0604030504040204" pitchFamily="34" charset="0"/>
-              <a:ea typeface="Tahoma" panose="020B0604030504040204" pitchFamily="34" charset="0"/>
-              <a:cs typeface="Tahoma" panose="020B0604030504040204" pitchFamily="34" charset="0"/>
-            </a:endParaRPr>
-          </a:p>
-          <a:p>
-            <a:pPr marL="285750" indent="-285750">
-              <a:buFont typeface="Arial" panose="020B0604020202020204" pitchFamily="34" charset="0"/>
-              <a:buChar char="•"/>
-            </a:pPr>
-            <a:endParaRPr lang="en-US" altLang="zh-CN" sz="2800" dirty="0" smtClean="0">
-              <a:solidFill>
-                <a:srgbClr val="002060"/>
-              </a:solidFill>
-              <a:latin typeface="Tahoma" panose="020B0604030504040204" pitchFamily="34" charset="0"/>
-              <a:ea typeface="Tahoma" panose="020B0604030504040204" pitchFamily="34" charset="0"/>
-              <a:cs typeface="Tahoma" panose="020B0604030504040204" pitchFamily="34" charset="0"/>
-            </a:endParaRPr>
-          </a:p>
-          <a:p>
-            <a:pPr marL="457200" indent="-457200">
-              <a:buFont typeface="Wingdings" panose="05000000000000000000" pitchFamily="2" charset="2"/>
-              <a:buChar char="q"/>
-            </a:pPr>
-            <a:r>
-              <a:rPr lang="en-US" sz="3200" dirty="0" smtClean="0">
-                <a:solidFill>
-                  <a:srgbClr val="002060"/>
-                </a:solidFill>
-                <a:latin typeface="Tahoma" panose="020B0604030504040204" pitchFamily="34" charset="0"/>
-                <a:ea typeface="Tahoma" panose="020B0604030504040204" pitchFamily="34" charset="0"/>
-                <a:cs typeface="Tahoma" panose="020B0604030504040204" pitchFamily="34" charset="0"/>
-              </a:rPr>
               <a:t>Work plan</a:t>
             </a:r>
-            <a:endParaRPr lang="en-US" sz="3200" dirty="0">
-              <a:solidFill>
-                <a:srgbClr val="002060"/>
-              </a:solidFill>
-              <a:latin typeface="Tahoma" panose="020B0604030504040204" pitchFamily="34" charset="0"/>
-              <a:ea typeface="Tahoma" panose="020B0604030504040204" pitchFamily="34" charset="0"/>
-              <a:cs typeface="Tahoma" panose="020B0604030504040204" pitchFamily="34" charset="0"/>
-            </a:endParaRPr>
           </a:p>
           <a:p>
             <a:pPr marL="457200" indent="-457200">
@@ -12133,7 +11976,7 @@
               <a:buChar char="q"/>
             </a:pPr>
             <a:r>
-              <a:rPr lang="en-US" sz="3200" dirty="0" smtClean="0">
+              <a:rPr lang="en-US" sz="3200" dirty="0">
                 <a:solidFill>
                   <a:srgbClr val="002060"/>
                 </a:solidFill>
@@ -12143,21 +11986,13 @@
               </a:rPr>
               <a:t>References</a:t>
             </a:r>
-            <a:endParaRPr lang="en-US" sz="3200" dirty="0" smtClean="0">
-              <a:solidFill>
-                <a:srgbClr val="002060"/>
-              </a:solidFill>
-              <a:latin typeface="Tahoma" panose="020B0604030504040204" pitchFamily="34" charset="0"/>
-              <a:ea typeface="Tahoma" panose="020B0604030504040204" pitchFamily="34" charset="0"/>
-              <a:cs typeface="Tahoma" panose="020B0604030504040204" pitchFamily="34" charset="0"/>
-            </a:endParaRPr>
           </a:p>
           <a:p>
             <a:pPr marL="457200" indent="-457200">
               <a:buFont typeface="Wingdings" panose="05000000000000000000" pitchFamily="2" charset="2"/>
               <a:buChar char="q"/>
             </a:pPr>
-            <a:endParaRPr lang="en-US" sz="3200" dirty="0" smtClean="0">
+            <a:endParaRPr lang="en-US" sz="3200" dirty="0">
               <a:solidFill>
                 <a:srgbClr val="002060"/>
               </a:solidFill>
@@ -12245,13 +12080,6 @@
   <p:clrMapOvr>
     <a:masterClrMapping/>
   </p:clrMapOvr>
-  <p:timing>
-    <p:tnLst>
-      <p:par>
-        <p:cTn id="1" dur="indefinite" restart="never" nodeType="tmRoot"/>
-      </p:par>
-    </p:tnLst>
-  </p:timing>
 </p:sld>
 </file>
 
@@ -12355,7 +12183,7 @@
           <a:lstStyle/>
           <a:p>
             <a:r>
-              <a:rPr lang="en-US" sz="3200" dirty="0" smtClean="0">
+              <a:rPr lang="en-US" sz="3200" dirty="0">
                 <a:latin typeface="Tahoma" panose="020B0604030504040204" pitchFamily="34" charset="0"/>
                 <a:ea typeface="Tahoma" panose="020B0604030504040204" pitchFamily="34" charset="0"/>
                 <a:cs typeface="Tahoma" panose="020B0604030504040204" pitchFamily="34" charset="0"/>
@@ -12416,7 +12244,7 @@
           <a:lstStyle/>
           <a:p>
             <a:r>
-              <a:rPr lang="en-US" sz="2400" b="1" dirty="0" smtClean="0">
+              <a:rPr lang="en-US" sz="2400" b="1" dirty="0">
                 <a:solidFill>
                   <a:srgbClr val="002060"/>
                 </a:solidFill>
@@ -12427,7 +12255,7 @@
               <a:t>Core idea</a:t>
             </a:r>
             <a:r>
-              <a:rPr lang="en-US" sz="2400" dirty="0" smtClean="0">
+              <a:rPr lang="en-US" sz="2400" dirty="0">
                 <a:solidFill>
                   <a:srgbClr val="002060"/>
                 </a:solidFill>
@@ -12438,7 +12266,7 @@
               <a:t>: </a:t>
             </a:r>
             <a:r>
-              <a:rPr lang="en-US" sz="2400" dirty="0" smtClean="0">
+              <a:rPr lang="en-US" sz="2400" dirty="0">
                 <a:solidFill>
                   <a:srgbClr val="FF0000"/>
                 </a:solidFill>
@@ -12449,7 +12277,7 @@
               <a:t>Machine-learnt</a:t>
             </a:r>
             <a:r>
-              <a:rPr lang="en-US" sz="2400" dirty="0" smtClean="0">
+              <a:rPr lang="en-US" sz="2400" dirty="0">
                 <a:solidFill>
                   <a:srgbClr val="002060"/>
                 </a:solidFill>
@@ -12460,7 +12288,7 @@
               <a:t> </a:t>
             </a:r>
             <a:r>
-              <a:rPr lang="en-US" sz="2400" dirty="0" smtClean="0">
+              <a:rPr lang="en-US" sz="2400" dirty="0">
                 <a:solidFill>
                   <a:srgbClr val="00B050"/>
                 </a:solidFill>
@@ -12471,7 +12299,7 @@
               <a:t>3D vectorization of buildings</a:t>
             </a:r>
             <a:r>
-              <a:rPr lang="en-US" sz="2400" dirty="0" smtClean="0">
+              <a:rPr lang="en-US" sz="2400" dirty="0">
                 <a:solidFill>
                   <a:srgbClr val="002060"/>
                 </a:solidFill>
@@ -12482,7 +12310,7 @@
               <a:t> from </a:t>
             </a:r>
             <a:r>
-              <a:rPr lang="en-US" sz="2400" dirty="0" smtClean="0">
+              <a:rPr lang="en-US" sz="2400" dirty="0">
                 <a:solidFill>
                   <a:srgbClr val="00B0F0"/>
                 </a:solidFill>
@@ -12492,153 +12320,6 @@
               </a:rPr>
               <a:t>satellite imagery</a:t>
             </a:r>
-            <a:endParaRPr lang="en-US" sz="2400" dirty="0" smtClean="0">
-              <a:solidFill>
-                <a:srgbClr val="00B0F0"/>
-              </a:solidFill>
-              <a:latin typeface="Tahoma" panose="020B0604030504040204" pitchFamily="34" charset="0"/>
-              <a:ea typeface="Tahoma" panose="020B0604030504040204" pitchFamily="34" charset="0"/>
-              <a:cs typeface="Tahoma" panose="020B0604030504040204" pitchFamily="34" charset="0"/>
-            </a:endParaRPr>
-          </a:p>
-          <a:p>
-            <a:endParaRPr lang="en-US" sz="2400" dirty="0" smtClean="0">
-              <a:solidFill>
-                <a:srgbClr val="002060"/>
-              </a:solidFill>
-              <a:latin typeface="Tahoma" panose="020B0604030504040204" pitchFamily="34" charset="0"/>
-              <a:ea typeface="Tahoma" panose="020B0604030504040204" pitchFamily="34" charset="0"/>
-              <a:cs typeface="Tahoma" panose="020B0604030504040204" pitchFamily="34" charset="0"/>
-            </a:endParaRPr>
-          </a:p>
-          <a:p>
-            <a:pPr marL="342900" indent="-342900">
-              <a:buFont typeface="Arial" panose="020B0604020202020204" pitchFamily="34" charset="0"/>
-              <a:buChar char="•"/>
-            </a:pPr>
-            <a:r>
-              <a:rPr lang="en-US" sz="2400" dirty="0" smtClean="0">
-                <a:solidFill>
-                  <a:srgbClr val="FF0000"/>
-                </a:solidFill>
-                <a:latin typeface="Tahoma" panose="020B0604030504040204" pitchFamily="34" charset="0"/>
-                <a:ea typeface="Tahoma" panose="020B0604030504040204" pitchFamily="34" charset="0"/>
-                <a:cs typeface="Tahoma" panose="020B0604030504040204" pitchFamily="34" charset="0"/>
-              </a:rPr>
-              <a:t>Methodology</a:t>
-            </a:r>
-            <a:r>
-              <a:rPr lang="en-US" sz="2400" dirty="0" smtClean="0">
-                <a:solidFill>
-                  <a:srgbClr val="002060"/>
-                </a:solidFill>
-                <a:latin typeface="Tahoma" panose="020B0604030504040204" pitchFamily="34" charset="0"/>
-                <a:ea typeface="Tahoma" panose="020B0604030504040204" pitchFamily="34" charset="0"/>
-                <a:cs typeface="Tahoma" panose="020B0604030504040204" pitchFamily="34" charset="0"/>
-              </a:rPr>
-              <a:t>: </a:t>
-            </a:r>
-            <a:r>
-              <a:rPr lang="en-US" sz="2400" dirty="0" smtClean="0">
-                <a:solidFill>
-                  <a:srgbClr val="FF0000"/>
-                </a:solidFill>
-                <a:latin typeface="Tahoma" panose="020B0604030504040204" pitchFamily="34" charset="0"/>
-                <a:ea typeface="Tahoma" panose="020B0604030504040204" pitchFamily="34" charset="0"/>
-                <a:cs typeface="Tahoma" panose="020B0604030504040204" pitchFamily="34" charset="0"/>
-              </a:rPr>
-              <a:t>multi-task</a:t>
-            </a:r>
-            <a:r>
-              <a:rPr lang="en-US" sz="2400" dirty="0" smtClean="0">
-                <a:solidFill>
-                  <a:srgbClr val="002060"/>
-                </a:solidFill>
-                <a:latin typeface="Tahoma" panose="020B0604030504040204" pitchFamily="34" charset="0"/>
-                <a:ea typeface="Tahoma" panose="020B0604030504040204" pitchFamily="34" charset="0"/>
-                <a:cs typeface="Tahoma" panose="020B0604030504040204" pitchFamily="34" charset="0"/>
-              </a:rPr>
-              <a:t> conditional generative adversarial network (</a:t>
-            </a:r>
-            <a:r>
-              <a:rPr lang="en-US" sz="2400" dirty="0" err="1" smtClean="0">
-                <a:solidFill>
-                  <a:srgbClr val="FF0000"/>
-                </a:solidFill>
-                <a:latin typeface="Tahoma" panose="020B0604030504040204" pitchFamily="34" charset="0"/>
-                <a:ea typeface="Tahoma" panose="020B0604030504040204" pitchFamily="34" charset="0"/>
-                <a:cs typeface="Tahoma" panose="020B0604030504040204" pitchFamily="34" charset="0"/>
-              </a:rPr>
-              <a:t>cGAN</a:t>
-            </a:r>
-            <a:r>
-              <a:rPr lang="en-US" sz="2400" dirty="0" smtClean="0">
-                <a:solidFill>
-                  <a:srgbClr val="002060"/>
-                </a:solidFill>
-                <a:latin typeface="Tahoma" panose="020B0604030504040204" pitchFamily="34" charset="0"/>
-                <a:ea typeface="Tahoma" panose="020B0604030504040204" pitchFamily="34" charset="0"/>
-                <a:cs typeface="Tahoma" panose="020B0604030504040204" pitchFamily="34" charset="0"/>
-              </a:rPr>
-              <a:t>)</a:t>
-            </a:r>
-          </a:p>
-          <a:p>
-            <a:endParaRPr lang="en-US" sz="2400" dirty="0" smtClean="0">
-              <a:solidFill>
-                <a:srgbClr val="00B050"/>
-              </a:solidFill>
-              <a:latin typeface="Tahoma" panose="020B0604030504040204" pitchFamily="34" charset="0"/>
-              <a:ea typeface="Tahoma" panose="020B0604030504040204" pitchFamily="34" charset="0"/>
-              <a:cs typeface="Tahoma" panose="020B0604030504040204" pitchFamily="34" charset="0"/>
-            </a:endParaRPr>
-          </a:p>
-          <a:p>
-            <a:pPr marL="342900" indent="-342900">
-              <a:buFont typeface="Arial" panose="020B0604020202020204" pitchFamily="34" charset="0"/>
-              <a:buChar char="•"/>
-            </a:pPr>
-            <a:r>
-              <a:rPr lang="en-US" sz="2400" dirty="0" smtClean="0">
-                <a:solidFill>
-                  <a:srgbClr val="00B050"/>
-                </a:solidFill>
-                <a:latin typeface="Tahoma" panose="020B0604030504040204" pitchFamily="34" charset="0"/>
-                <a:ea typeface="Tahoma" panose="020B0604030504040204" pitchFamily="34" charset="0"/>
-                <a:cs typeface="Tahoma" panose="020B0604030504040204" pitchFamily="34" charset="0"/>
-              </a:rPr>
-              <a:t>Objective</a:t>
-            </a:r>
-            <a:r>
-              <a:rPr lang="en-US" sz="2400" dirty="0" smtClean="0">
-                <a:solidFill>
-                  <a:srgbClr val="002060"/>
-                </a:solidFill>
-                <a:latin typeface="Tahoma" panose="020B0604030504040204" pitchFamily="34" charset="0"/>
-                <a:ea typeface="Tahoma" panose="020B0604030504040204" pitchFamily="34" charset="0"/>
-                <a:cs typeface="Tahoma" panose="020B0604030504040204" pitchFamily="34" charset="0"/>
-              </a:rPr>
-              <a:t>: refined DSM + (building instance segmentation) + 3D </a:t>
-            </a:r>
-            <a:r>
-              <a:rPr lang="en-US" sz="2400" dirty="0">
-                <a:solidFill>
-                  <a:srgbClr val="002060"/>
-                </a:solidFill>
-                <a:latin typeface="Tahoma" panose="020B0604030504040204" pitchFamily="34" charset="0"/>
-                <a:ea typeface="Tahoma" panose="020B0604030504040204" pitchFamily="34" charset="0"/>
-                <a:cs typeface="Tahoma" panose="020B0604030504040204" pitchFamily="34" charset="0"/>
-              </a:rPr>
-              <a:t>vectorization </a:t>
-            </a:r>
-            <a:endParaRPr lang="en-US" sz="2400" dirty="0" smtClean="0">
-              <a:solidFill>
-                <a:srgbClr val="002060"/>
-              </a:solidFill>
-              <a:latin typeface="Tahoma" panose="020B0604030504040204" pitchFamily="34" charset="0"/>
-              <a:ea typeface="Tahoma" panose="020B0604030504040204" pitchFamily="34" charset="0"/>
-              <a:cs typeface="Tahoma" panose="020B0604030504040204" pitchFamily="34" charset="0"/>
-            </a:endParaRPr>
           </a:p>
           <a:p>
             <a:endParaRPr lang="en-US" sz="2400" dirty="0">
@@ -12651,6 +12332,116 @@
             </a:endParaRPr>
           </a:p>
           <a:p>
+            <a:pPr marL="342900" indent="-342900">
+              <a:buFont typeface="Arial" panose="020B0604020202020204" pitchFamily="34" charset="0"/>
+              <a:buChar char="•"/>
+            </a:pPr>
+            <a:r>
+              <a:rPr lang="en-US" sz="2400" dirty="0">
+                <a:solidFill>
+                  <a:srgbClr val="FF0000"/>
+                </a:solidFill>
+                <a:latin typeface="Tahoma" panose="020B0604030504040204" pitchFamily="34" charset="0"/>
+                <a:ea typeface="Tahoma" panose="020B0604030504040204" pitchFamily="34" charset="0"/>
+                <a:cs typeface="Tahoma" panose="020B0604030504040204" pitchFamily="34" charset="0"/>
+              </a:rPr>
+              <a:t>Methodology</a:t>
+            </a:r>
+            <a:r>
+              <a:rPr lang="en-US" sz="2400" dirty="0">
+                <a:solidFill>
+                  <a:srgbClr val="002060"/>
+                </a:solidFill>
+                <a:latin typeface="Tahoma" panose="020B0604030504040204" pitchFamily="34" charset="0"/>
+                <a:ea typeface="Tahoma" panose="020B0604030504040204" pitchFamily="34" charset="0"/>
+                <a:cs typeface="Tahoma" panose="020B0604030504040204" pitchFamily="34" charset="0"/>
+              </a:rPr>
+              <a:t>: </a:t>
+            </a:r>
+            <a:r>
+              <a:rPr lang="en-US" sz="2400" dirty="0">
+                <a:solidFill>
+                  <a:srgbClr val="FF0000"/>
+                </a:solidFill>
+                <a:latin typeface="Tahoma" panose="020B0604030504040204" pitchFamily="34" charset="0"/>
+                <a:ea typeface="Tahoma" panose="020B0604030504040204" pitchFamily="34" charset="0"/>
+                <a:cs typeface="Tahoma" panose="020B0604030504040204" pitchFamily="34" charset="0"/>
+              </a:rPr>
+              <a:t>multi-task</a:t>
+            </a:r>
+            <a:r>
+              <a:rPr lang="en-US" sz="2400" dirty="0">
+                <a:solidFill>
+                  <a:srgbClr val="002060"/>
+                </a:solidFill>
+                <a:latin typeface="Tahoma" panose="020B0604030504040204" pitchFamily="34" charset="0"/>
+                <a:ea typeface="Tahoma" panose="020B0604030504040204" pitchFamily="34" charset="0"/>
+                <a:cs typeface="Tahoma" panose="020B0604030504040204" pitchFamily="34" charset="0"/>
+              </a:rPr>
+              <a:t> conditional generative adversarial network (</a:t>
+            </a:r>
+            <a:r>
+              <a:rPr lang="en-US" sz="2400" dirty="0" err="1">
+                <a:solidFill>
+                  <a:srgbClr val="FF0000"/>
+                </a:solidFill>
+                <a:latin typeface="Tahoma" panose="020B0604030504040204" pitchFamily="34" charset="0"/>
+                <a:ea typeface="Tahoma" panose="020B0604030504040204" pitchFamily="34" charset="0"/>
+                <a:cs typeface="Tahoma" panose="020B0604030504040204" pitchFamily="34" charset="0"/>
+              </a:rPr>
+              <a:t>cGAN</a:t>
+            </a:r>
+            <a:r>
+              <a:rPr lang="en-US" sz="2400" dirty="0">
+                <a:solidFill>
+                  <a:srgbClr val="002060"/>
+                </a:solidFill>
+                <a:latin typeface="Tahoma" panose="020B0604030504040204" pitchFamily="34" charset="0"/>
+                <a:ea typeface="Tahoma" panose="020B0604030504040204" pitchFamily="34" charset="0"/>
+                <a:cs typeface="Tahoma" panose="020B0604030504040204" pitchFamily="34" charset="0"/>
+              </a:rPr>
+              <a:t>)</a:t>
+            </a:r>
+          </a:p>
+          <a:p>
+            <a:endParaRPr lang="en-US" sz="2400" dirty="0">
+              <a:solidFill>
+                <a:srgbClr val="00B050"/>
+              </a:solidFill>
+              <a:latin typeface="Tahoma" panose="020B0604030504040204" pitchFamily="34" charset="0"/>
+              <a:ea typeface="Tahoma" panose="020B0604030504040204" pitchFamily="34" charset="0"/>
+              <a:cs typeface="Tahoma" panose="020B0604030504040204" pitchFamily="34" charset="0"/>
+            </a:endParaRPr>
+          </a:p>
+          <a:p>
+            <a:pPr marL="342900" indent="-342900">
+              <a:buFont typeface="Arial" panose="020B0604020202020204" pitchFamily="34" charset="0"/>
+              <a:buChar char="•"/>
+            </a:pPr>
+            <a:r>
+              <a:rPr lang="en-US" sz="2400" dirty="0">
+                <a:solidFill>
+                  <a:srgbClr val="00B050"/>
+                </a:solidFill>
+                <a:latin typeface="Tahoma" panose="020B0604030504040204" pitchFamily="34" charset="0"/>
+                <a:ea typeface="Tahoma" panose="020B0604030504040204" pitchFamily="34" charset="0"/>
+                <a:cs typeface="Tahoma" panose="020B0604030504040204" pitchFamily="34" charset="0"/>
+              </a:rPr>
+              <a:t>Objective</a:t>
+            </a:r>
+            <a:r>
+              <a:rPr lang="en-US" sz="2400" dirty="0">
+                <a:solidFill>
+                  <a:srgbClr val="002060"/>
+                </a:solidFill>
+                <a:latin typeface="Tahoma" panose="020B0604030504040204" pitchFamily="34" charset="0"/>
+                <a:ea typeface="Tahoma" panose="020B0604030504040204" pitchFamily="34" charset="0"/>
+                <a:cs typeface="Tahoma" panose="020B0604030504040204" pitchFamily="34" charset="0"/>
+              </a:rPr>
+              <a:t>: refined DSM + (building instance segmentation) + 3D vectorization </a:t>
+            </a:r>
+          </a:p>
+          <a:p>
             <a:endParaRPr lang="en-US" sz="2400" dirty="0">
               <a:solidFill>
                 <a:srgbClr val="002060"/>
@@ -12661,16 +12452,6 @@
             </a:endParaRPr>
           </a:p>
           <a:p>
-            <a:endParaRPr lang="en-US" sz="2400" dirty="0" smtClean="0">
-              <a:solidFill>
-                <a:srgbClr val="002060"/>
-              </a:solidFill>
-              <a:latin typeface="Tahoma" panose="020B0604030504040204" pitchFamily="34" charset="0"/>
-              <a:ea typeface="Tahoma" panose="020B0604030504040204" pitchFamily="34" charset="0"/>
-              <a:cs typeface="Tahoma" panose="020B0604030504040204" pitchFamily="34" charset="0"/>
-            </a:endParaRPr>
-          </a:p>
-          <a:p>
             <a:endParaRPr lang="en-US" sz="2400" dirty="0">
               <a:solidFill>
                 <a:srgbClr val="002060"/>
@@ -12681,16 +12462,6 @@
             </a:endParaRPr>
           </a:p>
           <a:p>
-            <a:endParaRPr lang="en-US" sz="2400" dirty="0" smtClean="0">
-              <a:solidFill>
-                <a:srgbClr val="002060"/>
-              </a:solidFill>
-              <a:latin typeface="Tahoma" panose="020B0604030504040204" pitchFamily="34" charset="0"/>
-              <a:ea typeface="Tahoma" panose="020B0604030504040204" pitchFamily="34" charset="0"/>
-              <a:cs typeface="Tahoma" panose="020B0604030504040204" pitchFamily="34" charset="0"/>
-            </a:endParaRPr>
-          </a:p>
-          <a:p>
             <a:endParaRPr lang="en-US" sz="2400" dirty="0">
               <a:solidFill>
                 <a:srgbClr val="002060"/>
@@ -12701,7 +12472,7 @@
             </a:endParaRPr>
           </a:p>
           <a:p>
-            <a:endParaRPr lang="en-US" sz="2400" dirty="0" smtClean="0">
+            <a:endParaRPr lang="en-US" sz="2400" dirty="0">
               <a:solidFill>
                 <a:srgbClr val="002060"/>
               </a:solidFill>
@@ -12711,12 +12482,42 @@
             </a:endParaRPr>
           </a:p>
           <a:p>
+            <a:endParaRPr lang="en-US" sz="2400" dirty="0">
+              <a:solidFill>
+                <a:srgbClr val="002060"/>
+              </a:solidFill>
+              <a:latin typeface="Tahoma" panose="020B0604030504040204" pitchFamily="34" charset="0"/>
+              <a:ea typeface="Tahoma" panose="020B0604030504040204" pitchFamily="34" charset="0"/>
+              <a:cs typeface="Tahoma" panose="020B0604030504040204" pitchFamily="34" charset="0"/>
+            </a:endParaRPr>
+          </a:p>
+          <a:p>
+            <a:endParaRPr lang="en-US" sz="2400" dirty="0">
+              <a:solidFill>
+                <a:srgbClr val="002060"/>
+              </a:solidFill>
+              <a:latin typeface="Tahoma" panose="020B0604030504040204" pitchFamily="34" charset="0"/>
+              <a:ea typeface="Tahoma" panose="020B0604030504040204" pitchFamily="34" charset="0"/>
+              <a:cs typeface="Tahoma" panose="020B0604030504040204" pitchFamily="34" charset="0"/>
+            </a:endParaRPr>
+          </a:p>
+          <a:p>
+            <a:endParaRPr lang="en-US" sz="2400" dirty="0">
+              <a:solidFill>
+                <a:srgbClr val="002060"/>
+              </a:solidFill>
+              <a:latin typeface="Tahoma" panose="020B0604030504040204" pitchFamily="34" charset="0"/>
+              <a:ea typeface="Tahoma" panose="020B0604030504040204" pitchFamily="34" charset="0"/>
+              <a:cs typeface="Tahoma" panose="020B0604030504040204" pitchFamily="34" charset="0"/>
+            </a:endParaRPr>
+          </a:p>
+          <a:p>
             <a:pPr marL="342900" indent="-342900">
               <a:buFont typeface="Arial" panose="020B0604020202020204" pitchFamily="34" charset="0"/>
               <a:buChar char="•"/>
             </a:pPr>
             <a:r>
-              <a:rPr lang="en-US" sz="2400" dirty="0" smtClean="0">
+              <a:rPr lang="en-US" sz="2400" dirty="0">
                 <a:solidFill>
                   <a:srgbClr val="00B0F0"/>
                 </a:solidFill>
@@ -12727,7 +12528,7 @@
               <a:t>Source data</a:t>
             </a:r>
             <a:r>
-              <a:rPr lang="en-US" sz="2400" dirty="0" smtClean="0">
+              <a:rPr lang="en-US" sz="2400" dirty="0">
                 <a:solidFill>
                   <a:srgbClr val="002060"/>
                 </a:solidFill>
@@ -12735,18 +12536,30 @@
                 <a:ea typeface="Tahoma" panose="020B0604030504040204" pitchFamily="34" charset="0"/>
                 <a:cs typeface="Tahoma" panose="020B0604030504040204" pitchFamily="34" charset="0"/>
               </a:rPr>
-              <a:t>: stereo DSM + </a:t>
-            </a:r>
-            <a:r>
-              <a:rPr lang="en-US" sz="2400" dirty="0" smtClean="0">
+              <a:t>: stereo DSM + Panchromatic image (WV-1) </a:t>
+            </a:r>
+            <a:r>
+              <a:rPr lang="en-US" sz="2400" dirty="0">
                 <a:solidFill>
                   <a:srgbClr val="002060"/>
                 </a:solidFill>
                 <a:latin typeface="Tahoma" panose="020B0604030504040204" pitchFamily="34" charset="0"/>
                 <a:ea typeface="Tahoma" panose="020B0604030504040204" pitchFamily="34" charset="0"/>
                 <a:cs typeface="Tahoma" panose="020B0604030504040204" pitchFamily="34" charset="0"/>
-              </a:rPr>
-              <a:t>Panchromatic image (WV-1) / RGB image (WV-4)</a:t>
+                <a:sym typeface="Wingdings" panose="05000000000000000000" pitchFamily="2" charset="2"/>
+              </a:rPr>
+              <a:t></a:t>
+            </a:r>
+            <a:r>
+              <a:rPr lang="en-US" sz="2400" dirty="0">
+                <a:solidFill>
+                  <a:srgbClr val="002060"/>
+                </a:solidFill>
+                <a:latin typeface="Tahoma" panose="020B0604030504040204" pitchFamily="34" charset="0"/>
+                <a:ea typeface="Tahoma" panose="020B0604030504040204" pitchFamily="34" charset="0"/>
+                <a:cs typeface="Tahoma" panose="020B0604030504040204" pitchFamily="34" charset="0"/>
+              </a:rPr>
+              <a:t> RGB image (WV-4)</a:t>
             </a:r>
             <a:endParaRPr lang="en-US" dirty="0">
               <a:solidFill>
@@ -12758,7 +12571,7 @@
             </a:endParaRPr>
           </a:p>
           <a:p>
-            <a:endParaRPr lang="en-US" dirty="0" smtClean="0">
+            <a:endParaRPr lang="en-US" dirty="0">
               <a:solidFill>
                 <a:srgbClr val="00B050"/>
               </a:solidFill>
@@ -12943,10 +12756,9 @@
           <a:lstStyle/>
           <a:p>
             <a:r>
-              <a:rPr lang="en-US" dirty="0" smtClean="0"/>
+              <a:rPr lang="en-US" dirty="0"/>
               <a:t>[1]</a:t>
             </a:r>
-            <a:endParaRPr lang="en-US" dirty="0"/>
           </a:p>
         </p:txBody>
       </p:sp>
@@ -12990,13 +12802,6 @@
   <p:clrMapOvr>
     <a:masterClrMapping/>
   </p:clrMapOvr>
-  <p:timing>
-    <p:tnLst>
-      <p:par>
-        <p:cTn id="1" dur="indefinite" restart="never" nodeType="tmRoot"/>
-      </p:par>
-    </p:tnLst>
-  </p:timing>
 </p:sld>
 </file>
 
@@ -13100,7 +12905,7 @@
           <a:lstStyle/>
           <a:p>
             <a:r>
-              <a:rPr lang="en-US" sz="3200" dirty="0" smtClean="0">
+              <a:rPr lang="en-US" sz="3200" dirty="0">
                 <a:latin typeface="Tahoma" panose="020B0604030504040204" pitchFamily="34" charset="0"/>
                 <a:ea typeface="Tahoma" panose="020B0604030504040204" pitchFamily="34" charset="0"/>
                 <a:cs typeface="Tahoma" panose="020B0604030504040204" pitchFamily="34" charset="0"/>
@@ -13163,7 +12968,7 @@
               <a:lstStyle/>
               <a:p>
                 <a:r>
-                  <a:rPr lang="en-US" sz="2400" b="1" dirty="0" smtClean="0">
+                  <a:rPr lang="en-US" sz="2400" b="1" dirty="0">
                     <a:solidFill>
                       <a:srgbClr val="002060"/>
                     </a:solidFill>
@@ -13180,7 +12985,7 @@
                   <a:buChar char="•"/>
                 </a:pPr>
                 <a:r>
-                  <a:rPr lang="en-US" altLang="zh-CN" sz="2400" dirty="0" smtClean="0">
+                  <a:rPr lang="en-US" altLang="zh-CN" sz="2400" dirty="0">
                     <a:solidFill>
                       <a:srgbClr val="002060"/>
                     </a:solidFill>
@@ -13191,17 +12996,6 @@
                   <a:t>Given the training data, </a:t>
                 </a:r>
                 <a:r>
-                  <a:rPr lang="en-US" sz="2400" u="sng" dirty="0" smtClean="0">
-                    <a:solidFill>
-                      <a:srgbClr val="002060"/>
-                    </a:solidFill>
-                    <a:latin typeface="Tahoma" panose="020B0604030504040204" pitchFamily="34" charset="0"/>
-                    <a:ea typeface="Tahoma" panose="020B0604030504040204" pitchFamily="34" charset="0"/>
-                    <a:cs typeface="Tahoma" panose="020B0604030504040204" pitchFamily="34" charset="0"/>
-                  </a:rPr>
-                  <a:t>two </a:t>
-                </a:r>
-                <a:r>
                   <a:rPr lang="en-US" sz="2400" u="sng" dirty="0">
                     <a:solidFill>
                       <a:srgbClr val="002060"/>
@@ -13210,7 +13004,7 @@
                     <a:ea typeface="Tahoma" panose="020B0604030504040204" pitchFamily="34" charset="0"/>
                     <a:cs typeface="Tahoma" panose="020B0604030504040204" pitchFamily="34" charset="0"/>
                   </a:rPr>
-                  <a:t>neural networks</a:t>
+                  <a:t>two neural networks</a:t>
                 </a:r>
                 <a:r>
                   <a:rPr lang="en-US" sz="2400" dirty="0">
@@ -13221,21 +13015,10 @@
                     <a:ea typeface="Tahoma" panose="020B0604030504040204" pitchFamily="34" charset="0"/>
                     <a:cs typeface="Tahoma" panose="020B0604030504040204" pitchFamily="34" charset="0"/>
                   </a:rPr>
-                  <a:t> contest with each </a:t>
+                  <a:t> compete with each other: the </a:t>
                 </a:r>
                 <a:r>
-                  <a:rPr lang="en-US" sz="2400" dirty="0" smtClean="0">
-                    <a:solidFill>
-                      <a:srgbClr val="002060"/>
-                    </a:solidFill>
-                    <a:latin typeface="Tahoma" panose="020B0604030504040204" pitchFamily="34" charset="0"/>
-                    <a:ea typeface="Tahoma" panose="020B0604030504040204" pitchFamily="34" charset="0"/>
-                    <a:cs typeface="Tahoma" panose="020B0604030504040204" pitchFamily="34" charset="0"/>
-                  </a:rPr>
-                  <a:t>other: the </a:t>
-                </a:r>
-                <a:r>
-                  <a:rPr lang="en-US" sz="2400" dirty="0" smtClean="0">
+                  <a:rPr lang="en-US" sz="2400" dirty="0">
                     <a:solidFill>
                       <a:srgbClr val="FF0000"/>
                     </a:solidFill>
@@ -13246,7 +13029,7 @@
                   <a:t>Generator</a:t>
                 </a:r>
                 <a:r>
-                  <a:rPr lang="en-US" sz="2400" dirty="0" smtClean="0">
+                  <a:rPr lang="en-US" sz="2400" dirty="0">
                     <a:solidFill>
                       <a:srgbClr val="002060"/>
                     </a:solidFill>
@@ -13257,7 +13040,7 @@
                   <a:t> learns to generate real-like samples, while the </a:t>
                 </a:r>
                 <a:r>
-                  <a:rPr lang="en-US" sz="2400" dirty="0" smtClean="0">
+                  <a:rPr lang="en-US" sz="2400" dirty="0">
                     <a:solidFill>
                       <a:srgbClr val="FF0000"/>
                     </a:solidFill>
@@ -13268,7 +13051,7 @@
                   <a:t>Discriminator</a:t>
                 </a:r>
                 <a:r>
-                  <a:rPr lang="en-US" sz="2400" dirty="0" smtClean="0">
+                  <a:rPr lang="en-US" sz="2400" dirty="0">
                     <a:solidFill>
                       <a:srgbClr val="002060"/>
                     </a:solidFill>
@@ -13285,7 +13068,7 @@
                   <a:buChar char="•"/>
                 </a:pPr>
                 <a:r>
-                  <a:rPr lang="en-US" sz="2400" dirty="0" smtClean="0">
+                  <a:rPr lang="en-US" sz="2400" dirty="0">
                     <a:solidFill>
                       <a:srgbClr val="002060"/>
                     </a:solidFill>
@@ -13302,7 +13085,7 @@
                   <a:buChar char="•"/>
                 </a:pPr>
                 <a:r>
-                  <a:rPr lang="en-US" sz="2400" dirty="0" smtClean="0">
+                  <a:rPr lang="en-US" sz="2400" dirty="0">
                     <a:solidFill>
                       <a:srgbClr val="002060"/>
                     </a:solidFill>
@@ -13319,7 +13102,7 @@
                   <a:buChar char="•"/>
                 </a:pPr>
                 <a:r>
-                  <a:rPr lang="en-US" sz="2400" dirty="0" smtClean="0">
+                  <a:rPr lang="en-US" sz="2400" dirty="0">
                     <a:solidFill>
                       <a:srgbClr val="002060"/>
                     </a:solidFill>
@@ -13327,29 +13110,7 @@
                     <a:ea typeface="Tahoma" panose="020B0604030504040204" pitchFamily="34" charset="0"/>
                     <a:cs typeface="Tahoma" panose="020B0604030504040204" pitchFamily="34" charset="0"/>
                   </a:rPr>
-                  <a:t>Generator: learns to fool the discriminator (learns real </a:t>
-                </a:r>
-                <a:r>
-                  <a:rPr lang="en-US" sz="2400" dirty="0" smtClean="0">
-                    <a:solidFill>
-                      <a:srgbClr val="002060"/>
-                    </a:solidFill>
-                    <a:latin typeface="Tahoma" panose="020B0604030504040204" pitchFamily="34" charset="0"/>
-                    <a:ea typeface="Tahoma" panose="020B0604030504040204" pitchFamily="34" charset="0"/>
-                    <a:cs typeface="Tahoma" panose="020B0604030504040204" pitchFamily="34" charset="0"/>
-                  </a:rPr>
-                  <a:t>data’s </a:t>
-                </a:r>
-                <a:r>
-                  <a:rPr lang="en-US" sz="2400" dirty="0" smtClean="0">
-                    <a:solidFill>
-                      <a:srgbClr val="002060"/>
-                    </a:solidFill>
-                    <a:latin typeface="Tahoma" panose="020B0604030504040204" pitchFamily="34" charset="0"/>
-                    <a:ea typeface="Tahoma" panose="020B0604030504040204" pitchFamily="34" charset="0"/>
-                    <a:cs typeface="Tahoma" panose="020B0604030504040204" pitchFamily="34" charset="0"/>
-                  </a:rPr>
-                  <a:t>distribution)</a:t>
+                  <a:t>Generator: learns to fool the discriminator (learns real data’s distribution)</a:t>
                 </a:r>
               </a:p>
               <a:p>
@@ -13358,7 +13119,7 @@
                   <a:buChar char="•"/>
                 </a:pPr>
                 <a:r>
-                  <a:rPr lang="en-US" sz="2400" dirty="0" smtClean="0">
+                  <a:rPr lang="en-US" sz="2400" dirty="0">
                     <a:solidFill>
                       <a:srgbClr val="002060"/>
                     </a:solidFill>
@@ -13371,7 +13132,7 @@
               </a:p>
               <a:p>
                 <a:pPr algn="just"/>
-                <a:endParaRPr lang="en-US" sz="2400" dirty="0" smtClean="0">
+                <a:endParaRPr lang="en-US" sz="2400" dirty="0">
                   <a:solidFill>
                     <a:srgbClr val="002060"/>
                   </a:solidFill>
@@ -13382,7 +13143,7 @@
               </a:p>
               <a:p>
                 <a:pPr algn="just"/>
-                <a:endParaRPr lang="en-US" sz="2400" dirty="0" smtClean="0">
+                <a:endParaRPr lang="en-US" sz="2400" dirty="0">
                   <a:solidFill>
                     <a:srgbClr val="002060"/>
                   </a:solidFill>
@@ -13397,7 +13158,7 @@
                   <a:buChar char="•"/>
                 </a:pPr>
                 <a:r>
-                  <a:rPr lang="en-US" sz="2400" dirty="0" smtClean="0">
+                  <a:rPr lang="en-US" sz="2400" dirty="0">
                     <a:solidFill>
                       <a:srgbClr val="002060"/>
                     </a:solidFill>
@@ -13410,7 +13171,7 @@
               </a:p>
               <a:p>
                 <a:pPr algn="just"/>
-                <a:endParaRPr lang="en-US" sz="2000" i="1" dirty="0" smtClean="0">
+                <a:endParaRPr lang="en-US" sz="2000" i="1" dirty="0">
                   <a:solidFill>
                     <a:srgbClr val="002060"/>
                   </a:solidFill>
@@ -13608,7 +13369,7 @@
                   <a:buFont typeface="Arial" panose="020B0604020202020204" pitchFamily="34" charset="0"/>
                   <a:buChar char="•"/>
                 </a:pPr>
-                <a:endParaRPr lang="en-US" dirty="0" smtClean="0">
+                <a:endParaRPr lang="en-US" dirty="0">
                   <a:solidFill>
                     <a:srgbClr val="00B050"/>
                   </a:solidFill>
@@ -13706,10 +13467,9 @@
           <a:lstStyle/>
           <a:p>
             <a:r>
-              <a:rPr lang="en-US" dirty="0" smtClean="0"/>
+              <a:rPr lang="en-US" dirty="0"/>
               <a:t>[2]</a:t>
             </a:r>
-            <a:endParaRPr lang="en-US" dirty="0"/>
           </a:p>
         </p:txBody>
       </p:sp>
@@ -13753,13 +13513,6 @@
   <p:clrMapOvr>
     <a:masterClrMapping/>
   </p:clrMapOvr>
-  <p:timing>
-    <p:tnLst>
-      <p:par>
-        <p:cTn id="1" dur="indefinite" restart="never" nodeType="tmRoot"/>
-      </p:par>
-    </p:tnLst>
-  </p:timing>
 </p:sld>
 </file>
 
@@ -13863,7 +13616,7 @@
           <a:lstStyle/>
           <a:p>
             <a:r>
-              <a:rPr lang="en-US" sz="3200" dirty="0" smtClean="0">
+              <a:rPr lang="en-US" sz="3200" dirty="0">
                 <a:latin typeface="Tahoma" panose="020B0604030504040204" pitchFamily="34" charset="0"/>
                 <a:ea typeface="Tahoma" panose="020B0604030504040204" pitchFamily="34" charset="0"/>
                 <a:cs typeface="Tahoma" panose="020B0604030504040204" pitchFamily="34" charset="0"/>
@@ -13924,7 +13677,7 @@
           <a:lstStyle/>
           <a:p>
             <a:r>
-              <a:rPr lang="en-US" sz="2400" b="1" dirty="0" smtClean="0">
+              <a:rPr lang="en-US" sz="2400" b="1" dirty="0">
                 <a:solidFill>
                   <a:srgbClr val="002060"/>
                 </a:solidFill>
@@ -13935,7 +13688,7 @@
               <a:t>Conditional GAN</a:t>
             </a:r>
             <a:r>
-              <a:rPr lang="en-US" sz="2400" dirty="0" smtClean="0">
+              <a:rPr lang="en-US" sz="2400" dirty="0">
                 <a:solidFill>
                   <a:srgbClr val="002060"/>
                 </a:solidFill>
@@ -13943,29 +13696,7 @@
                 <a:ea typeface="Tahoma" panose="020B0604030504040204" pitchFamily="34" charset="0"/>
                 <a:cs typeface="Tahoma" panose="020B0604030504040204" pitchFamily="34" charset="0"/>
               </a:rPr>
-              <a:t>: </a:t>
-            </a:r>
-            <a:r>
-              <a:rPr lang="en-US" sz="2400" dirty="0" smtClean="0">
-                <a:solidFill>
-                  <a:srgbClr val="002060"/>
-                </a:solidFill>
-                <a:latin typeface="Tahoma" panose="020B0604030504040204" pitchFamily="34" charset="0"/>
-                <a:ea typeface="Tahoma" panose="020B0604030504040204" pitchFamily="34" charset="0"/>
-                <a:cs typeface="Tahoma" panose="020B0604030504040204" pitchFamily="34" charset="0"/>
-              </a:rPr>
-              <a:t>apart from</a:t>
-            </a:r>
-            <a:r>
-              <a:rPr lang="en-US" sz="2400" dirty="0" smtClean="0">
-                <a:solidFill>
-                  <a:srgbClr val="002060"/>
-                </a:solidFill>
-                <a:latin typeface="Tahoma" panose="020B0604030504040204" pitchFamily="34" charset="0"/>
-                <a:ea typeface="Tahoma" panose="020B0604030504040204" pitchFamily="34" charset="0"/>
-                <a:cs typeface="Tahoma" panose="020B0604030504040204" pitchFamily="34" charset="0"/>
-              </a:rPr>
-              <a:t> random noise, input also other constraints (label, text, image, etc.) to control the generated outputs. </a:t>
+              <a:t>: (Generally) apart from random noise, input also other constraints (label, text, image, etc.) to control the generated outputs. </a:t>
             </a:r>
           </a:p>
           <a:p>
@@ -13980,7 +13711,7 @@
           </a:p>
           <a:p>
             <a:r>
-              <a:rPr lang="en-US" sz="2400" b="1" dirty="0" smtClean="0">
+              <a:rPr lang="en-US" sz="2400" b="1" dirty="0">
                 <a:solidFill>
                   <a:srgbClr val="002060"/>
                 </a:solidFill>
@@ -13991,7 +13722,7 @@
               <a:t>Pix2pix</a:t>
             </a:r>
             <a:r>
-              <a:rPr lang="en-US" sz="2400" dirty="0" smtClean="0">
+              <a:rPr lang="en-US" sz="2400" dirty="0">
                 <a:solidFill>
                   <a:srgbClr val="002060"/>
                 </a:solidFill>
@@ -14001,14 +13732,6 @@
               </a:rPr>
               <a:t>: train source &amp; destination image pairs to perform image to image style translation.</a:t>
             </a:r>
-            <a:endParaRPr lang="en-US" sz="2400" dirty="0" smtClean="0">
-              <a:solidFill>
-                <a:srgbClr val="002060"/>
-              </a:solidFill>
-              <a:latin typeface="Tahoma" panose="020B0604030504040204" pitchFamily="34" charset="0"/>
-              <a:ea typeface="Tahoma" panose="020B0604030504040204" pitchFamily="34" charset="0"/>
-              <a:cs typeface="Tahoma" panose="020B0604030504040204" pitchFamily="34" charset="0"/>
-            </a:endParaRPr>
           </a:p>
           <a:p>
             <a:endParaRPr lang="en-US" dirty="0">
@@ -14021,16 +13744,6 @@
             </a:endParaRPr>
           </a:p>
           <a:p>
-            <a:endParaRPr lang="en-US" dirty="0" smtClean="0">
-              <a:solidFill>
-                <a:srgbClr val="00B050"/>
-              </a:solidFill>
-              <a:latin typeface="Tahoma" panose="020B0604030504040204" pitchFamily="34" charset="0"/>
-              <a:ea typeface="Tahoma" panose="020B0604030504040204" pitchFamily="34" charset="0"/>
-              <a:cs typeface="Tahoma" panose="020B0604030504040204" pitchFamily="34" charset="0"/>
-            </a:endParaRPr>
-          </a:p>
-          <a:p>
             <a:endParaRPr lang="en-US" dirty="0">
               <a:solidFill>
                 <a:srgbClr val="00B050"/>
@@ -14041,92 +13754,6 @@
             </a:endParaRPr>
           </a:p>
           <a:p>
-            <a:endParaRPr lang="en-US" dirty="0" smtClean="0">
-              <a:solidFill>
-                <a:srgbClr val="00B050"/>
-              </a:solidFill>
-              <a:latin typeface="Tahoma" panose="020B0604030504040204" pitchFamily="34" charset="0"/>
-              <a:ea typeface="Tahoma" panose="020B0604030504040204" pitchFamily="34" charset="0"/>
-              <a:cs typeface="Tahoma" panose="020B0604030504040204" pitchFamily="34" charset="0"/>
-            </a:endParaRPr>
-          </a:p>
-          <a:p>
-            <a:endParaRPr lang="en-US" dirty="0" smtClean="0">
-              <a:solidFill>
-                <a:srgbClr val="00B050"/>
-              </a:solidFill>
-              <a:latin typeface="Tahoma" panose="020B0604030504040204" pitchFamily="34" charset="0"/>
-              <a:ea typeface="Tahoma" panose="020B0604030504040204" pitchFamily="34" charset="0"/>
-              <a:cs typeface="Tahoma" panose="020B0604030504040204" pitchFamily="34" charset="0"/>
-            </a:endParaRPr>
-          </a:p>
-          <a:p>
-            <a:pPr algn="just"/>
-            <a:r>
-              <a:rPr lang="en-US" sz="2400" dirty="0" smtClean="0">
-                <a:solidFill>
-                  <a:srgbClr val="002060"/>
-                </a:solidFill>
-                <a:latin typeface="Tahoma" panose="020B0604030504040204" pitchFamily="34" charset="0"/>
-                <a:ea typeface="Tahoma" panose="020B0604030504040204" pitchFamily="34" charset="0"/>
-                <a:cs typeface="Tahoma" panose="020B0604030504040204" pitchFamily="34" charset="0"/>
-              </a:rPr>
-              <a:t>During training, we build generator (usually </a:t>
-            </a:r>
-            <a:r>
-              <a:rPr lang="en-US" sz="2400" dirty="0" err="1" smtClean="0">
-                <a:solidFill>
-                  <a:srgbClr val="002060"/>
-                </a:solidFill>
-                <a:latin typeface="Tahoma" panose="020B0604030504040204" pitchFamily="34" charset="0"/>
-                <a:ea typeface="Tahoma" panose="020B0604030504040204" pitchFamily="34" charset="0"/>
-                <a:cs typeface="Tahoma" panose="020B0604030504040204" pitchFamily="34" charset="0"/>
-              </a:rPr>
-              <a:t>ResNet</a:t>
-            </a:r>
-            <a:r>
-              <a:rPr lang="en-US" sz="2400" dirty="0" smtClean="0">
-                <a:solidFill>
-                  <a:srgbClr val="002060"/>
-                </a:solidFill>
-                <a:latin typeface="Tahoma" panose="020B0604030504040204" pitchFamily="34" charset="0"/>
-                <a:ea typeface="Tahoma" panose="020B0604030504040204" pitchFamily="34" charset="0"/>
-                <a:cs typeface="Tahoma" panose="020B0604030504040204" pitchFamily="34" charset="0"/>
-              </a:rPr>
-              <a:t>/</a:t>
-            </a:r>
-            <a:r>
-              <a:rPr lang="en-US" sz="2400" dirty="0" err="1" smtClean="0">
-                <a:solidFill>
-                  <a:srgbClr val="002060"/>
-                </a:solidFill>
-                <a:latin typeface="Tahoma" panose="020B0604030504040204" pitchFamily="34" charset="0"/>
-                <a:ea typeface="Tahoma" panose="020B0604030504040204" pitchFamily="34" charset="0"/>
-                <a:cs typeface="Tahoma" panose="020B0604030504040204" pitchFamily="34" charset="0"/>
-              </a:rPr>
-              <a:t>UNet</a:t>
-            </a:r>
-            <a:r>
-              <a:rPr lang="en-US" sz="2400" dirty="0" smtClean="0">
-                <a:solidFill>
-                  <a:srgbClr val="002060"/>
-                </a:solidFill>
-                <a:latin typeface="Tahoma" panose="020B0604030504040204" pitchFamily="34" charset="0"/>
-                <a:ea typeface="Tahoma" panose="020B0604030504040204" pitchFamily="34" charset="0"/>
-                <a:cs typeface="Tahoma" panose="020B0604030504040204" pitchFamily="34" charset="0"/>
-              </a:rPr>
-              <a:t> structure) and discriminator (usually simple CNN) as two independent networks, train and optimize them alternately.</a:t>
-            </a:r>
-            <a:endParaRPr lang="en-US" sz="2400" dirty="0">
-              <a:solidFill>
-                <a:srgbClr val="002060"/>
-              </a:solidFill>
-              <a:latin typeface="Tahoma" panose="020B0604030504040204" pitchFamily="34" charset="0"/>
-              <a:ea typeface="Tahoma" panose="020B0604030504040204" pitchFamily="34" charset="0"/>
-              <a:cs typeface="Tahoma" panose="020B0604030504040204" pitchFamily="34" charset="0"/>
-            </a:endParaRPr>
-          </a:p>
-          <a:p>
             <a:endParaRPr lang="en-US" dirty="0">
               <a:solidFill>
                 <a:srgbClr val="00B050"/>
@@ -14137,7 +13764,7 @@
             </a:endParaRPr>
           </a:p>
           <a:p>
-            <a:endParaRPr lang="en-US" dirty="0" smtClean="0">
+            <a:endParaRPr lang="en-US" dirty="0">
               <a:solidFill>
                 <a:srgbClr val="00B050"/>
               </a:solidFill>
@@ -14147,7 +13774,95 @@
             </a:endParaRPr>
           </a:p>
           <a:p>
-            <a:endParaRPr lang="en-US" dirty="0" smtClean="0">
+            <a:endParaRPr lang="en-US" dirty="0">
+              <a:solidFill>
+                <a:srgbClr val="00B050"/>
+              </a:solidFill>
+              <a:latin typeface="Tahoma" panose="020B0604030504040204" pitchFamily="34" charset="0"/>
+              <a:ea typeface="Tahoma" panose="020B0604030504040204" pitchFamily="34" charset="0"/>
+              <a:cs typeface="Tahoma" panose="020B0604030504040204" pitchFamily="34" charset="0"/>
+            </a:endParaRPr>
+          </a:p>
+          <a:p>
+            <a:pPr algn="just"/>
+            <a:r>
+              <a:rPr lang="en-US" sz="2400" dirty="0">
+                <a:solidFill>
+                  <a:srgbClr val="002060"/>
+                </a:solidFill>
+                <a:latin typeface="Tahoma" panose="020B0604030504040204" pitchFamily="34" charset="0"/>
+                <a:ea typeface="Tahoma" panose="020B0604030504040204" pitchFamily="34" charset="0"/>
+                <a:cs typeface="Tahoma" panose="020B0604030504040204" pitchFamily="34" charset="0"/>
+              </a:rPr>
+              <a:t>During training, we build generator (usually </a:t>
+            </a:r>
+            <a:r>
+              <a:rPr lang="en-US" sz="2400" dirty="0" err="1">
+                <a:solidFill>
+                  <a:srgbClr val="002060"/>
+                </a:solidFill>
+                <a:latin typeface="Tahoma" panose="020B0604030504040204" pitchFamily="34" charset="0"/>
+                <a:ea typeface="Tahoma" panose="020B0604030504040204" pitchFamily="34" charset="0"/>
+                <a:cs typeface="Tahoma" panose="020B0604030504040204" pitchFamily="34" charset="0"/>
+              </a:rPr>
+              <a:t>ResNet</a:t>
+            </a:r>
+            <a:r>
+              <a:rPr lang="en-US" sz="2400" dirty="0">
+                <a:solidFill>
+                  <a:srgbClr val="002060"/>
+                </a:solidFill>
+                <a:latin typeface="Tahoma" panose="020B0604030504040204" pitchFamily="34" charset="0"/>
+                <a:ea typeface="Tahoma" panose="020B0604030504040204" pitchFamily="34" charset="0"/>
+                <a:cs typeface="Tahoma" panose="020B0604030504040204" pitchFamily="34" charset="0"/>
+              </a:rPr>
+              <a:t>/</a:t>
+            </a:r>
+            <a:r>
+              <a:rPr lang="en-US" sz="2400" dirty="0" err="1">
+                <a:solidFill>
+                  <a:srgbClr val="002060"/>
+                </a:solidFill>
+                <a:latin typeface="Tahoma" panose="020B0604030504040204" pitchFamily="34" charset="0"/>
+                <a:ea typeface="Tahoma" panose="020B0604030504040204" pitchFamily="34" charset="0"/>
+                <a:cs typeface="Tahoma" panose="020B0604030504040204" pitchFamily="34" charset="0"/>
+              </a:rPr>
+              <a:t>UNet</a:t>
+            </a:r>
+            <a:r>
+              <a:rPr lang="en-US" sz="2400" dirty="0">
+                <a:solidFill>
+                  <a:srgbClr val="002060"/>
+                </a:solidFill>
+                <a:latin typeface="Tahoma" panose="020B0604030504040204" pitchFamily="34" charset="0"/>
+                <a:ea typeface="Tahoma" panose="020B0604030504040204" pitchFamily="34" charset="0"/>
+                <a:cs typeface="Tahoma" panose="020B0604030504040204" pitchFamily="34" charset="0"/>
+              </a:rPr>
+              <a:t> structure) and discriminator (usually simple CNN) as two independent networks, train and optimize them alternately.</a:t>
+            </a:r>
+          </a:p>
+          <a:p>
+            <a:endParaRPr lang="en-US" dirty="0">
+              <a:solidFill>
+                <a:srgbClr val="00B050"/>
+              </a:solidFill>
+              <a:latin typeface="Tahoma" panose="020B0604030504040204" pitchFamily="34" charset="0"/>
+              <a:ea typeface="Tahoma" panose="020B0604030504040204" pitchFamily="34" charset="0"/>
+              <a:cs typeface="Tahoma" panose="020B0604030504040204" pitchFamily="34" charset="0"/>
+            </a:endParaRPr>
+          </a:p>
+          <a:p>
+            <a:endParaRPr lang="en-US" dirty="0">
+              <a:solidFill>
+                <a:srgbClr val="00B050"/>
+              </a:solidFill>
+              <a:latin typeface="Tahoma" panose="020B0604030504040204" pitchFamily="34" charset="0"/>
+              <a:ea typeface="Tahoma" panose="020B0604030504040204" pitchFamily="34" charset="0"/>
+              <a:cs typeface="Tahoma" panose="020B0604030504040204" pitchFamily="34" charset="0"/>
+            </a:endParaRPr>
+          </a:p>
+          <a:p>
+            <a:endParaRPr lang="en-US" dirty="0">
               <a:solidFill>
                 <a:srgbClr val="00B050"/>
               </a:solidFill>
@@ -14205,10 +13920,9 @@
           <a:lstStyle/>
           <a:p>
             <a:r>
-              <a:rPr lang="en-US" dirty="0" smtClean="0"/>
+              <a:rPr lang="en-US" dirty="0"/>
               <a:t>[3]</a:t>
             </a:r>
-            <a:endParaRPr lang="en-US" dirty="0"/>
           </a:p>
         </p:txBody>
       </p:sp>
@@ -14252,13 +13966,6 @@
   <p:clrMapOvr>
     <a:masterClrMapping/>
   </p:clrMapOvr>
-  <p:timing>
-    <p:tnLst>
-      <p:par>
-        <p:cTn id="1" dur="indefinite" restart="never" nodeType="tmRoot"/>
-      </p:par>
-    </p:tnLst>
-  </p:timing>
 </p:sld>
 </file>
 
@@ -14362,7 +14069,7 @@
           <a:lstStyle/>
           <a:p>
             <a:r>
-              <a:rPr lang="en-US" sz="3200" dirty="0" smtClean="0">
+              <a:rPr lang="en-US" sz="3200" dirty="0">
                 <a:latin typeface="Tahoma" panose="020B0604030504040204" pitchFamily="34" charset="0"/>
                 <a:ea typeface="Tahoma" panose="020B0604030504040204" pitchFamily="34" charset="0"/>
                 <a:cs typeface="Tahoma" panose="020B0604030504040204" pitchFamily="34" charset="0"/>
@@ -14423,7 +14130,7 @@
           <a:lstStyle/>
           <a:p>
             <a:r>
-              <a:rPr lang="en-US" sz="2400" b="1" dirty="0" err="1" smtClean="0">
+              <a:rPr lang="en-US" sz="2400" b="1" dirty="0" err="1">
                 <a:solidFill>
                   <a:srgbClr val="002060"/>
                 </a:solidFill>
@@ -14434,7 +14141,7 @@
               <a:t>cGAN</a:t>
             </a:r>
             <a:r>
-              <a:rPr lang="en-US" sz="2400" b="1" dirty="0" smtClean="0">
+              <a:rPr lang="en-US" sz="2400" b="1" dirty="0">
                 <a:solidFill>
                   <a:srgbClr val="002060"/>
                 </a:solidFill>
@@ -14442,10 +14149,10 @@
                 <a:ea typeface="Tahoma" panose="020B0604030504040204" pitchFamily="34" charset="0"/>
                 <a:cs typeface="Tahoma" panose="020B0604030504040204" pitchFamily="34" charset="0"/>
               </a:rPr>
-              <a:t> -&gt; </a:t>
-            </a:r>
-            <a:r>
-              <a:rPr lang="en-US" sz="2400" b="1" dirty="0" smtClean="0">
+              <a:t> -&gt; DSM refinement</a:t>
+            </a:r>
+            <a:r>
+              <a:rPr lang="en-US" sz="2400" dirty="0">
                 <a:solidFill>
                   <a:srgbClr val="002060"/>
                 </a:solidFill>
@@ -14453,37 +14160,8 @@
                 <a:ea typeface="Tahoma" panose="020B0604030504040204" pitchFamily="34" charset="0"/>
                 <a:cs typeface="Tahoma" panose="020B0604030504040204" pitchFamily="34" charset="0"/>
               </a:rPr>
-              <a:t>DSM refinement</a:t>
-            </a:r>
-            <a:r>
-              <a:rPr lang="en-US" sz="2400" dirty="0" smtClean="0">
-                <a:solidFill>
-                  <a:srgbClr val="002060"/>
-                </a:solidFill>
-                <a:latin typeface="Tahoma" panose="020B0604030504040204" pitchFamily="34" charset="0"/>
-                <a:ea typeface="Tahoma" panose="020B0604030504040204" pitchFamily="34" charset="0"/>
-                <a:cs typeface="Tahoma" panose="020B0604030504040204" pitchFamily="34" charset="0"/>
-              </a:rPr>
               <a:t>:</a:t>
             </a:r>
-            <a:endParaRPr lang="en-US" sz="2400" dirty="0">
-              <a:solidFill>
-                <a:srgbClr val="002060"/>
-              </a:solidFill>
-              <a:latin typeface="Tahoma" panose="020B0604030504040204" pitchFamily="34" charset="0"/>
-              <a:ea typeface="Tahoma" panose="020B0604030504040204" pitchFamily="34" charset="0"/>
-              <a:cs typeface="Tahoma" panose="020B0604030504040204" pitchFamily="34" charset="0"/>
-            </a:endParaRPr>
-          </a:p>
-          <a:p>
-            <a:endParaRPr lang="en-US" dirty="0" smtClean="0">
-              <a:solidFill>
-                <a:srgbClr val="00B050"/>
-              </a:solidFill>
-              <a:latin typeface="Tahoma" panose="020B0604030504040204" pitchFamily="34" charset="0"/>
-              <a:ea typeface="Tahoma" panose="020B0604030504040204" pitchFamily="34" charset="0"/>
-              <a:cs typeface="Tahoma" panose="020B0604030504040204" pitchFamily="34" charset="0"/>
-            </a:endParaRPr>
           </a:p>
           <a:p>
             <a:endParaRPr lang="en-US" dirty="0">
@@ -14496,16 +14174,6 @@
             </a:endParaRPr>
           </a:p>
           <a:p>
-            <a:endParaRPr lang="en-US" dirty="0" smtClean="0">
-              <a:solidFill>
-                <a:srgbClr val="00B050"/>
-              </a:solidFill>
-              <a:latin typeface="Tahoma" panose="020B0604030504040204" pitchFamily="34" charset="0"/>
-              <a:ea typeface="Tahoma" panose="020B0604030504040204" pitchFamily="34" charset="0"/>
-              <a:cs typeface="Tahoma" panose="020B0604030504040204" pitchFamily="34" charset="0"/>
-            </a:endParaRPr>
-          </a:p>
-          <a:p>
             <a:endParaRPr lang="en-US" dirty="0">
               <a:solidFill>
                 <a:srgbClr val="00B050"/>
@@ -14516,16 +14184,6 @@
             </a:endParaRPr>
           </a:p>
           <a:p>
-            <a:endParaRPr lang="en-US" dirty="0" smtClean="0">
-              <a:solidFill>
-                <a:srgbClr val="00B050"/>
-              </a:solidFill>
-              <a:latin typeface="Tahoma" panose="020B0604030504040204" pitchFamily="34" charset="0"/>
-              <a:ea typeface="Tahoma" panose="020B0604030504040204" pitchFamily="34" charset="0"/>
-              <a:cs typeface="Tahoma" panose="020B0604030504040204" pitchFamily="34" charset="0"/>
-            </a:endParaRPr>
-          </a:p>
-          <a:p>
             <a:endParaRPr lang="en-US" dirty="0">
               <a:solidFill>
                 <a:srgbClr val="00B050"/>
@@ -14536,16 +14194,6 @@
             </a:endParaRPr>
           </a:p>
           <a:p>
-            <a:endParaRPr lang="en-US" dirty="0" smtClean="0">
-              <a:solidFill>
-                <a:srgbClr val="00B050"/>
-              </a:solidFill>
-              <a:latin typeface="Tahoma" panose="020B0604030504040204" pitchFamily="34" charset="0"/>
-              <a:ea typeface="Tahoma" panose="020B0604030504040204" pitchFamily="34" charset="0"/>
-              <a:cs typeface="Tahoma" panose="020B0604030504040204" pitchFamily="34" charset="0"/>
-            </a:endParaRPr>
-          </a:p>
-          <a:p>
             <a:endParaRPr lang="en-US" dirty="0">
               <a:solidFill>
                 <a:srgbClr val="00B050"/>
@@ -14556,16 +14204,6 @@
             </a:endParaRPr>
           </a:p>
           <a:p>
-            <a:endParaRPr lang="en-US" dirty="0" smtClean="0">
-              <a:solidFill>
-                <a:srgbClr val="00B050"/>
-              </a:solidFill>
-              <a:latin typeface="Tahoma" panose="020B0604030504040204" pitchFamily="34" charset="0"/>
-              <a:ea typeface="Tahoma" panose="020B0604030504040204" pitchFamily="34" charset="0"/>
-              <a:cs typeface="Tahoma" panose="020B0604030504040204" pitchFamily="34" charset="0"/>
-            </a:endParaRPr>
-          </a:p>
-          <a:p>
             <a:endParaRPr lang="en-US" dirty="0">
               <a:solidFill>
                 <a:srgbClr val="00B050"/>
@@ -14576,16 +14214,6 @@
             </a:endParaRPr>
           </a:p>
           <a:p>
-            <a:endParaRPr lang="en-US" dirty="0" smtClean="0">
-              <a:solidFill>
-                <a:srgbClr val="00B050"/>
-              </a:solidFill>
-              <a:latin typeface="Tahoma" panose="020B0604030504040204" pitchFamily="34" charset="0"/>
-              <a:ea typeface="Tahoma" panose="020B0604030504040204" pitchFamily="34" charset="0"/>
-              <a:cs typeface="Tahoma" panose="020B0604030504040204" pitchFamily="34" charset="0"/>
-            </a:endParaRPr>
-          </a:p>
-          <a:p>
             <a:endParaRPr lang="en-US" dirty="0">
               <a:solidFill>
                 <a:srgbClr val="00B050"/>
@@ -14596,7 +14224,7 @@
             </a:endParaRPr>
           </a:p>
           <a:p>
-            <a:endParaRPr lang="en-US" dirty="0" smtClean="0">
+            <a:endParaRPr lang="en-US" dirty="0">
               <a:solidFill>
                 <a:srgbClr val="00B050"/>
               </a:solidFill>
@@ -14606,7 +14234,67 @@
             </a:endParaRPr>
           </a:p>
           <a:p>
-            <a:endParaRPr lang="en-US" dirty="0" smtClean="0">
+            <a:endParaRPr lang="en-US" dirty="0">
+              <a:solidFill>
+                <a:srgbClr val="00B050"/>
+              </a:solidFill>
+              <a:latin typeface="Tahoma" panose="020B0604030504040204" pitchFamily="34" charset="0"/>
+              <a:ea typeface="Tahoma" panose="020B0604030504040204" pitchFamily="34" charset="0"/>
+              <a:cs typeface="Tahoma" panose="020B0604030504040204" pitchFamily="34" charset="0"/>
+            </a:endParaRPr>
+          </a:p>
+          <a:p>
+            <a:endParaRPr lang="en-US" dirty="0">
+              <a:solidFill>
+                <a:srgbClr val="00B050"/>
+              </a:solidFill>
+              <a:latin typeface="Tahoma" panose="020B0604030504040204" pitchFamily="34" charset="0"/>
+              <a:ea typeface="Tahoma" panose="020B0604030504040204" pitchFamily="34" charset="0"/>
+              <a:cs typeface="Tahoma" panose="020B0604030504040204" pitchFamily="34" charset="0"/>
+            </a:endParaRPr>
+          </a:p>
+          <a:p>
+            <a:endParaRPr lang="en-US" dirty="0">
+              <a:solidFill>
+                <a:srgbClr val="00B050"/>
+              </a:solidFill>
+              <a:latin typeface="Tahoma" panose="020B0604030504040204" pitchFamily="34" charset="0"/>
+              <a:ea typeface="Tahoma" panose="020B0604030504040204" pitchFamily="34" charset="0"/>
+              <a:cs typeface="Tahoma" panose="020B0604030504040204" pitchFamily="34" charset="0"/>
+            </a:endParaRPr>
+          </a:p>
+          <a:p>
+            <a:endParaRPr lang="en-US" dirty="0">
+              <a:solidFill>
+                <a:srgbClr val="00B050"/>
+              </a:solidFill>
+              <a:latin typeface="Tahoma" panose="020B0604030504040204" pitchFamily="34" charset="0"/>
+              <a:ea typeface="Tahoma" panose="020B0604030504040204" pitchFamily="34" charset="0"/>
+              <a:cs typeface="Tahoma" panose="020B0604030504040204" pitchFamily="34" charset="0"/>
+            </a:endParaRPr>
+          </a:p>
+          <a:p>
+            <a:endParaRPr lang="en-US" dirty="0">
+              <a:solidFill>
+                <a:srgbClr val="00B050"/>
+              </a:solidFill>
+              <a:latin typeface="Tahoma" panose="020B0604030504040204" pitchFamily="34" charset="0"/>
+              <a:ea typeface="Tahoma" panose="020B0604030504040204" pitchFamily="34" charset="0"/>
+              <a:cs typeface="Tahoma" panose="020B0604030504040204" pitchFamily="34" charset="0"/>
+            </a:endParaRPr>
+          </a:p>
+          <a:p>
+            <a:endParaRPr lang="en-US" dirty="0">
+              <a:solidFill>
+                <a:srgbClr val="00B050"/>
+              </a:solidFill>
+              <a:latin typeface="Tahoma" panose="020B0604030504040204" pitchFamily="34" charset="0"/>
+              <a:ea typeface="Tahoma" panose="020B0604030504040204" pitchFamily="34" charset="0"/>
+              <a:cs typeface="Tahoma" panose="020B0604030504040204" pitchFamily="34" charset="0"/>
+            </a:endParaRPr>
+          </a:p>
+          <a:p>
+            <a:endParaRPr lang="en-US" dirty="0">
               <a:solidFill>
                 <a:srgbClr val="00B050"/>
               </a:solidFill>
@@ -14640,37 +14328,12 @@
           <a:lstStyle/>
           <a:p>
             <a:r>
-              <a:rPr lang="en-US" dirty="0" smtClean="0"/>
+              <a:rPr lang="en-US" dirty="0"/>
               <a:t>[4]</a:t>
             </a:r>
-            <a:endParaRPr lang="en-US" dirty="0"/>
           </a:p>
         </p:txBody>
       </p:sp>
-      <p:pic>
-        <p:nvPicPr>
-          <p:cNvPr id="4" name="Picture 3"/>
-          <p:cNvPicPr>
-            <a:picLocks noChangeAspect="1"/>
-          </p:cNvPicPr>
-          <p:nvPr/>
-        </p:nvPicPr>
-        <p:blipFill>
-          <a:blip r:embed="rId3"/>
-          <a:stretch>
-            <a:fillRect/>
-          </a:stretch>
-        </p:blipFill>
-        <p:spPr>
-          <a:xfrm>
-            <a:off x="1793618" y="1618891"/>
-            <a:ext cx="8486775" cy="4181475"/>
-          </a:xfrm>
-          <a:prstGeom prst="rect">
-            <a:avLst/>
-          </a:prstGeom>
-        </p:spPr>
-      </p:pic>
       <p:pic>
         <p:nvPicPr>
           <p:cNvPr id="10" name="Picture 9"/>
@@ -14680,7 +14343,7 @@
           <p:nvPr/>
         </p:nvPicPr>
         <p:blipFill>
-          <a:blip r:embed="rId4" cstate="print">
+          <a:blip r:embed="rId3" cstate="print">
             <a:extLst>
               <a:ext uri="{28A0092B-C50C-407E-A947-70E740481C1C}">
                 <a14:useLocalDpi xmlns:a14="http://schemas.microsoft.com/office/drawing/2010/main" val="0"/>
@@ -14695,6 +14358,42 @@
           <a:xfrm>
             <a:off x="11159613" y="144664"/>
             <a:ext cx="727541" cy="727541"/>
+          </a:xfrm>
+          <a:prstGeom prst="rect">
+            <a:avLst/>
+          </a:prstGeom>
+        </p:spPr>
+      </p:pic>
+      <p:pic>
+        <p:nvPicPr>
+          <p:cNvPr id="11" name="Picture 10">
+            <a:extLst>
+              <a:ext uri="{FF2B5EF4-FFF2-40B4-BE49-F238E27FC236}">
+                <a16:creationId xmlns:a16="http://schemas.microsoft.com/office/drawing/2014/main" id="{D2EA80F5-9FC6-4A64-BF22-2692317F62F0}"/>
+              </a:ext>
+            </a:extLst>
+          </p:cNvPr>
+          <p:cNvPicPr>
+            <a:picLocks noChangeAspect="1"/>
+          </p:cNvPicPr>
+          <p:nvPr/>
+        </p:nvPicPr>
+        <p:blipFill>
+          <a:blip r:embed="rId4">
+            <a:extLst>
+              <a:ext uri="{28A0092B-C50C-407E-A947-70E740481C1C}">
+                <a14:useLocalDpi xmlns:a14="http://schemas.microsoft.com/office/drawing/2010/main" val="0"/>
+              </a:ext>
+            </a:extLst>
+          </a:blip>
+          <a:stretch>
+            <a:fillRect/>
+          </a:stretch>
+        </p:blipFill>
+        <p:spPr>
+          <a:xfrm>
+            <a:off x="2700996" y="2019543"/>
+            <a:ext cx="6790008" cy="3345470"/>
           </a:xfrm>
           <a:prstGeom prst="rect">
             <a:avLst/>
@@ -14711,13 +14410,6 @@
   <p:clrMapOvr>
     <a:masterClrMapping/>
   </p:clrMapOvr>
-  <p:timing>
-    <p:tnLst>
-      <p:par>
-        <p:cTn id="1" dur="indefinite" restart="never" nodeType="tmRoot"/>
-      </p:par>
-    </p:tnLst>
-  </p:timing>
 </p:sld>
 </file>
 
@@ -14821,7 +14513,7 @@
           <a:lstStyle/>
           <a:p>
             <a:r>
-              <a:rPr lang="en-US" sz="3200" dirty="0" smtClean="0">
+              <a:rPr lang="en-US" sz="3200" dirty="0">
                 <a:latin typeface="Tahoma" panose="020B0604030504040204" pitchFamily="34" charset="0"/>
                 <a:ea typeface="Tahoma" panose="020B0604030504040204" pitchFamily="34" charset="0"/>
                 <a:cs typeface="Tahoma" panose="020B0604030504040204" pitchFamily="34" charset="0"/>
@@ -14868,7 +14560,7 @@
         <p:spPr>
           <a:xfrm>
             <a:off x="481780" y="1230820"/>
-            <a:ext cx="11110452" cy="5262979"/>
+            <a:ext cx="11110452" cy="4893647"/>
           </a:xfrm>
           <a:prstGeom prst="rect">
             <a:avLst/>
@@ -14882,7 +14574,7 @@
           <a:lstStyle/>
           <a:p>
             <a:r>
-              <a:rPr lang="en-US" sz="2400" b="1" dirty="0" smtClean="0">
+              <a:rPr lang="en-US" sz="2400" b="1" dirty="0">
                 <a:solidFill>
                   <a:srgbClr val="002060"/>
                 </a:solidFill>
@@ -14893,7 +14585,7 @@
               <a:t>Building instance segmentation</a:t>
             </a:r>
             <a:r>
-              <a:rPr lang="en-US" sz="2400" dirty="0" smtClean="0">
+              <a:rPr lang="en-US" sz="2400" dirty="0">
                 <a:solidFill>
                   <a:srgbClr val="002060"/>
                 </a:solidFill>
@@ -14910,7 +14602,7 @@
               <a:buChar char="•"/>
             </a:pPr>
             <a:r>
-              <a:rPr lang="en-US" sz="2400" dirty="0" smtClean="0">
+              <a:rPr lang="en-US" sz="2400" dirty="0">
                 <a:solidFill>
                   <a:srgbClr val="002060"/>
                 </a:solidFill>
@@ -14923,7 +14615,7 @@
           </a:p>
           <a:p>
             <a:r>
-              <a:rPr lang="en-US" sz="2400" b="1" dirty="0" smtClean="0">
+              <a:rPr lang="en-US" sz="2400" b="1" dirty="0">
                 <a:solidFill>
                   <a:srgbClr val="002060"/>
                 </a:solidFill>
@@ -14934,7 +14626,7 @@
               <a:t>Building vectorization</a:t>
             </a:r>
             <a:r>
-              <a:rPr lang="en-US" sz="2400" dirty="0" smtClean="0">
+              <a:rPr lang="en-US" sz="2400" dirty="0">
                 <a:solidFill>
                   <a:srgbClr val="002060"/>
                 </a:solidFill>
@@ -14959,10 +14651,10 @@
                 <a:ea typeface="Tahoma" panose="020B0604030504040204" pitchFamily="34" charset="0"/>
                 <a:cs typeface="Tahoma" panose="020B0604030504040204" pitchFamily="34" charset="0"/>
               </a:rPr>
-              <a:t>p</a:t>
-            </a:r>
-            <a:r>
-              <a:rPr lang="en-US" sz="2400" dirty="0" smtClean="0">
+              <a:t>previous research --- 2D </a:t>
+            </a:r>
+            <a:r>
+              <a:rPr lang="en-US" sz="2400" dirty="0" err="1">
                 <a:solidFill>
                   <a:srgbClr val="002060"/>
                 </a:solidFill>
@@ -14970,21 +14662,10 @@
                 <a:ea typeface="Tahoma" panose="020B0604030504040204" pitchFamily="34" charset="0"/>
                 <a:cs typeface="Tahoma" panose="020B0604030504040204" pitchFamily="34" charset="0"/>
               </a:rPr>
-              <a:t>revious research --- 2D </a:t>
-            </a:r>
-            <a:r>
-              <a:rPr lang="en-US" sz="2400" dirty="0" err="1" smtClean="0">
-                <a:solidFill>
-                  <a:srgbClr val="002060"/>
-                </a:solidFill>
-                <a:latin typeface="Tahoma" panose="020B0604030504040204" pitchFamily="34" charset="0"/>
-                <a:ea typeface="Tahoma" panose="020B0604030504040204" pitchFamily="34" charset="0"/>
-                <a:cs typeface="Tahoma" panose="020B0604030504040204" pitchFamily="34" charset="0"/>
-              </a:rPr>
               <a:t>polygonization</a:t>
             </a:r>
             <a:r>
-              <a:rPr lang="en-US" sz="2400" dirty="0" smtClean="0">
+              <a:rPr lang="en-US" sz="2400" dirty="0">
                 <a:solidFill>
                   <a:srgbClr val="002060"/>
                 </a:solidFill>
@@ -15001,7 +14682,7 @@
               <a:buChar char="•"/>
             </a:pPr>
             <a:r>
-              <a:rPr lang="en-US" sz="2400" dirty="0" smtClean="0">
+              <a:rPr lang="en-US" sz="2400" dirty="0">
                 <a:solidFill>
                   <a:srgbClr val="002060"/>
                 </a:solidFill>
@@ -15012,7 +14693,7 @@
               <a:t>Step1: Extract corners and edges from satellite image (</a:t>
             </a:r>
             <a:r>
-              <a:rPr lang="en-US" sz="2400" dirty="0" err="1" smtClean="0">
+              <a:rPr lang="en-US" sz="2400" dirty="0" err="1">
                 <a:solidFill>
                   <a:srgbClr val="002060"/>
                 </a:solidFill>
@@ -15023,7 +14704,7 @@
               <a:t>DSM+orthophoto</a:t>
             </a:r>
             <a:r>
-              <a:rPr lang="en-US" sz="2400" dirty="0" smtClean="0">
+              <a:rPr lang="en-US" sz="2400" dirty="0">
                 <a:solidFill>
                   <a:srgbClr val="002060"/>
                 </a:solidFill>
@@ -15040,7 +14721,7 @@
               <a:buChar char="•"/>
             </a:pPr>
             <a:r>
-              <a:rPr lang="en-US" sz="2400" dirty="0" smtClean="0">
+              <a:rPr lang="en-US" sz="2400" dirty="0">
                 <a:solidFill>
                   <a:srgbClr val="002060"/>
                 </a:solidFill>
@@ -15048,21 +14729,21 @@
                 <a:ea typeface="Tahoma" panose="020B0604030504040204" pitchFamily="34" charset="0"/>
                 <a:cs typeface="Tahoma" panose="020B0604030504040204" pitchFamily="34" charset="0"/>
               </a:rPr>
-              <a:t>Step2: Connect the corners and edges within one building instance as polygons and combine these polygons for </a:t>
-            </a:r>
-            <a:r>
-              <a:rPr lang="en-US" sz="2400" dirty="0" err="1" smtClean="0">
-                <a:solidFill>
-                  <a:srgbClr val="002060"/>
+              <a:t>Step2: Connect the corners and edges as polygons and combine these polygons for vectorized building (</a:t>
+            </a:r>
+            <a:r>
+              <a:rPr lang="en-US" sz="2400" dirty="0">
+                <a:solidFill>
+                  <a:srgbClr val="FF0000"/>
                 </a:solidFill>
                 <a:latin typeface="Tahoma" panose="020B0604030504040204" pitchFamily="34" charset="0"/>
                 <a:ea typeface="Tahoma" panose="020B0604030504040204" pitchFamily="34" charset="0"/>
                 <a:cs typeface="Tahoma" panose="020B0604030504040204" pitchFamily="34" charset="0"/>
               </a:rPr>
-              <a:t>vectorized</a:t>
-            </a:r>
-            <a:r>
-              <a:rPr lang="en-US" sz="2400" dirty="0" smtClean="0">
+              <a:t>not very clear yet</a:t>
+            </a:r>
+            <a:r>
+              <a:rPr lang="en-US" sz="2400" dirty="0">
                 <a:solidFill>
                   <a:srgbClr val="002060"/>
                 </a:solidFill>
@@ -15070,21 +14751,23 @@
                 <a:ea typeface="Tahoma" panose="020B0604030504040204" pitchFamily="34" charset="0"/>
                 <a:cs typeface="Tahoma" panose="020B0604030504040204" pitchFamily="34" charset="0"/>
               </a:rPr>
-              <a:t> building (</a:t>
-            </a:r>
-            <a:r>
-              <a:rPr lang="en-US" sz="2400" dirty="0" smtClean="0">
-                <a:solidFill>
-                  <a:srgbClr val="FF0000"/>
+              <a:t>)</a:t>
+            </a:r>
+          </a:p>
+          <a:p>
+            <a:r>
+              <a:rPr lang="en-US" sz="2400" b="1" dirty="0">
+                <a:solidFill>
+                  <a:srgbClr val="002060"/>
                 </a:solidFill>
                 <a:latin typeface="Tahoma" panose="020B0604030504040204" pitchFamily="34" charset="0"/>
                 <a:ea typeface="Tahoma" panose="020B0604030504040204" pitchFamily="34" charset="0"/>
                 <a:cs typeface="Tahoma" panose="020B0604030504040204" pitchFamily="34" charset="0"/>
               </a:rPr>
-              <a:t>not very clear yet</a:t>
-            </a:r>
-            <a:r>
-              <a:rPr lang="en-US" sz="2400" dirty="0" smtClean="0">
+              <a:t>Multi-task learning</a:t>
+            </a:r>
+            <a:r>
+              <a:rPr lang="en-US" sz="2400" dirty="0">
                 <a:solidFill>
                   <a:srgbClr val="002060"/>
                 </a:solidFill>
@@ -15092,59 +14775,8 @@
                 <a:ea typeface="Tahoma" panose="020B0604030504040204" pitchFamily="34" charset="0"/>
                 <a:cs typeface="Tahoma" panose="020B0604030504040204" pitchFamily="34" charset="0"/>
               </a:rPr>
-              <a:t>)</a:t>
-            </a:r>
-            <a:endParaRPr lang="en-US" sz="2400" dirty="0">
-              <a:solidFill>
-                <a:srgbClr val="002060"/>
-              </a:solidFill>
-              <a:latin typeface="Tahoma" panose="020B0604030504040204" pitchFamily="34" charset="0"/>
-              <a:ea typeface="Tahoma" panose="020B0604030504040204" pitchFamily="34" charset="0"/>
-              <a:cs typeface="Tahoma" panose="020B0604030504040204" pitchFamily="34" charset="0"/>
-            </a:endParaRPr>
-          </a:p>
-          <a:p>
-            <a:r>
-              <a:rPr lang="en-US" sz="2400" b="1" dirty="0" smtClean="0">
-                <a:solidFill>
-                  <a:srgbClr val="002060"/>
-                </a:solidFill>
-                <a:latin typeface="Tahoma" panose="020B0604030504040204" pitchFamily="34" charset="0"/>
-                <a:ea typeface="Tahoma" panose="020B0604030504040204" pitchFamily="34" charset="0"/>
-                <a:cs typeface="Tahoma" panose="020B0604030504040204" pitchFamily="34" charset="0"/>
-              </a:rPr>
-              <a:t>Multi-task </a:t>
-            </a:r>
-            <a:r>
-              <a:rPr lang="en-US" sz="2400" b="1" dirty="0">
-                <a:solidFill>
-                  <a:srgbClr val="002060"/>
-                </a:solidFill>
-                <a:latin typeface="Tahoma" panose="020B0604030504040204" pitchFamily="34" charset="0"/>
-                <a:ea typeface="Tahoma" panose="020B0604030504040204" pitchFamily="34" charset="0"/>
-                <a:cs typeface="Tahoma" panose="020B0604030504040204" pitchFamily="34" charset="0"/>
-              </a:rPr>
-              <a:t>learning</a:t>
-            </a:r>
-            <a:r>
-              <a:rPr lang="en-US" sz="2400" dirty="0">
-                <a:solidFill>
-                  <a:srgbClr val="002060"/>
-                </a:solidFill>
-                <a:latin typeface="Tahoma" panose="020B0604030504040204" pitchFamily="34" charset="0"/>
-                <a:ea typeface="Tahoma" panose="020B0604030504040204" pitchFamily="34" charset="0"/>
-                <a:cs typeface="Tahoma" panose="020B0604030504040204" pitchFamily="34" charset="0"/>
-              </a:rPr>
               <a:t>: </a:t>
             </a:r>
-            <a:endParaRPr lang="en-US" sz="2400" dirty="0" smtClean="0">
-              <a:solidFill>
-                <a:srgbClr val="002060"/>
-              </a:solidFill>
-              <a:latin typeface="Tahoma" panose="020B0604030504040204" pitchFamily="34" charset="0"/>
-              <a:ea typeface="Tahoma" panose="020B0604030504040204" pitchFamily="34" charset="0"/>
-              <a:cs typeface="Tahoma" panose="020B0604030504040204" pitchFamily="34" charset="0"/>
-            </a:endParaRPr>
           </a:p>
           <a:p>
             <a:pPr marL="342900" indent="-342900">
@@ -15152,7 +14784,7 @@
               <a:buChar char="•"/>
             </a:pPr>
             <a:r>
-              <a:rPr lang="en-US" sz="2400" dirty="0" smtClean="0">
+              <a:rPr lang="en-US" sz="2400" dirty="0">
                 <a:solidFill>
                   <a:srgbClr val="002060"/>
                 </a:solidFill>
@@ -15160,29 +14792,7 @@
                 <a:ea typeface="Tahoma" panose="020B0604030504040204" pitchFamily="34" charset="0"/>
                 <a:cs typeface="Tahoma" panose="020B0604030504040204" pitchFamily="34" charset="0"/>
               </a:rPr>
-              <a:t>multiple </a:t>
-            </a:r>
-            <a:r>
-              <a:rPr lang="en-US" sz="2400" dirty="0">
-                <a:solidFill>
-                  <a:srgbClr val="002060"/>
-                </a:solidFill>
-                <a:latin typeface="Tahoma" panose="020B0604030504040204" pitchFamily="34" charset="0"/>
-                <a:ea typeface="Tahoma" panose="020B0604030504040204" pitchFamily="34" charset="0"/>
-                <a:cs typeface="Tahoma" panose="020B0604030504040204" pitchFamily="34" charset="0"/>
-              </a:rPr>
-              <a:t>learning tasks are solved at the same time, while exploiting commonalities and differences across tasks</a:t>
-            </a:r>
-            <a:r>
-              <a:rPr lang="en-US" sz="2400" dirty="0" smtClean="0">
-                <a:solidFill>
-                  <a:srgbClr val="002060"/>
-                </a:solidFill>
-                <a:latin typeface="Tahoma" panose="020B0604030504040204" pitchFamily="34" charset="0"/>
-                <a:ea typeface="Tahoma" panose="020B0604030504040204" pitchFamily="34" charset="0"/>
-                <a:cs typeface="Tahoma" panose="020B0604030504040204" pitchFamily="34" charset="0"/>
-              </a:rPr>
-              <a:t>.</a:t>
+              <a:t>multiple learning tasks are solved at the same time, while exploiting commonalities and differences across tasks.</a:t>
             </a:r>
           </a:p>
           <a:p>
@@ -15191,7 +14801,7 @@
               <a:buChar char="•"/>
             </a:pPr>
             <a:r>
-              <a:rPr lang="en-US" sz="2400" dirty="0" smtClean="0">
+              <a:rPr lang="en-US" sz="2400" dirty="0">
                 <a:solidFill>
                   <a:srgbClr val="002060"/>
                 </a:solidFill>
@@ -15202,7 +14812,7 @@
               <a:t>In my case, </a:t>
             </a:r>
             <a:r>
-              <a:rPr lang="en-US" sz="2400" dirty="0" smtClean="0">
+              <a:rPr lang="en-US" sz="2400" dirty="0">
                 <a:solidFill>
                   <a:srgbClr val="00B050"/>
                 </a:solidFill>
@@ -15210,10 +14820,10 @@
                 <a:ea typeface="Tahoma" panose="020B0604030504040204" pitchFamily="34" charset="0"/>
                 <a:cs typeface="Tahoma" panose="020B0604030504040204" pitchFamily="34" charset="0"/>
               </a:rPr>
-              <a:t>the building instance masks</a:t>
-            </a:r>
-            <a:r>
-              <a:rPr lang="en-US" sz="2400" dirty="0" smtClean="0">
+              <a:t>the building instance masks (optional)</a:t>
+            </a:r>
+            <a:r>
+              <a:rPr lang="en-US" sz="2400" dirty="0">
                 <a:solidFill>
                   <a:srgbClr val="002060"/>
                 </a:solidFill>
@@ -15224,7 +14834,7 @@
               <a:t>, </a:t>
             </a:r>
             <a:r>
-              <a:rPr lang="en-US" sz="2400" dirty="0" smtClean="0">
+              <a:rPr lang="en-US" sz="2400" dirty="0">
                 <a:solidFill>
                   <a:srgbClr val="00B050"/>
                 </a:solidFill>
@@ -15235,7 +14845,7 @@
               <a:t>the core points extraction</a:t>
             </a:r>
             <a:r>
-              <a:rPr lang="en-US" sz="2400" dirty="0" smtClean="0">
+              <a:rPr lang="en-US" sz="2400" dirty="0">
                 <a:solidFill>
                   <a:srgbClr val="002060"/>
                 </a:solidFill>
@@ -15246,7 +14856,7 @@
               <a:t> and </a:t>
             </a:r>
             <a:r>
-              <a:rPr lang="en-US" sz="2400" dirty="0" smtClean="0">
+              <a:rPr lang="en-US" sz="2400" dirty="0">
                 <a:solidFill>
                   <a:srgbClr val="00B050"/>
                 </a:solidFill>
@@ -15257,7 +14867,7 @@
               <a:t>the DSM refinement</a:t>
             </a:r>
             <a:r>
-              <a:rPr lang="en-US" sz="2400" dirty="0" smtClean="0">
+              <a:rPr lang="en-US" sz="2400" dirty="0">
                 <a:solidFill>
                   <a:srgbClr val="002060"/>
                 </a:solidFill>
@@ -15267,14 +14877,6 @@
               </a:rPr>
               <a:t> should have big commonalities, thus we expect the combination of all tasks can improve each other.</a:t>
             </a:r>
-            <a:endParaRPr lang="en-US" sz="2400" dirty="0">
-              <a:solidFill>
-                <a:srgbClr val="002060"/>
-              </a:solidFill>
-              <a:latin typeface="Tahoma" panose="020B0604030504040204" pitchFamily="34" charset="0"/>
-              <a:ea typeface="Tahoma" panose="020B0604030504040204" pitchFamily="34" charset="0"/>
-              <a:cs typeface="Tahoma" panose="020B0604030504040204" pitchFamily="34" charset="0"/>
-            </a:endParaRPr>
           </a:p>
         </p:txBody>
       </p:sp>
@@ -15318,13 +14920,6 @@
   <p:clrMapOvr>
     <a:masterClrMapping/>
   </p:clrMapOvr>
-  <p:timing>
-    <p:tnLst>
-      <p:par>
-        <p:cTn id="1" dur="indefinite" restart="never" nodeType="tmRoot"/>
-      </p:par>
-    </p:tnLst>
-  </p:timing>
 </p:sld>
 </file>
 
@@ -15428,7 +15023,7 @@
           <a:lstStyle/>
           <a:p>
             <a:r>
-              <a:rPr lang="en-US" sz="3200" dirty="0" smtClean="0">
+              <a:rPr lang="en-US" sz="3200" dirty="0">
                 <a:latin typeface="Tahoma" panose="020B0604030504040204" pitchFamily="34" charset="0"/>
                 <a:ea typeface="Tahoma" panose="020B0604030504040204" pitchFamily="34" charset="0"/>
                 <a:cs typeface="Tahoma" panose="020B0604030504040204" pitchFamily="34" charset="0"/>
@@ -15475,7 +15070,7 @@
         <p:spPr>
           <a:xfrm>
             <a:off x="481780" y="1230820"/>
-            <a:ext cx="11110452" cy="4893647"/>
+            <a:ext cx="11110452" cy="5262979"/>
           </a:xfrm>
           <a:prstGeom prst="rect">
             <a:avLst/>
@@ -15489,7 +15084,7 @@
           <a:lstStyle/>
           <a:p>
             <a:r>
-              <a:rPr lang="en-US" sz="2400" b="1" dirty="0" smtClean="0">
+              <a:rPr lang="en-US" sz="2400" b="1" dirty="0">
                 <a:solidFill>
                   <a:srgbClr val="002060"/>
                 </a:solidFill>
@@ -15506,7 +15101,7 @@
               <a:buChar char="•"/>
             </a:pPr>
             <a:r>
-              <a:rPr lang="en-US" sz="2400" dirty="0" smtClean="0">
+              <a:rPr lang="en-US" sz="2400" dirty="0">
                 <a:solidFill>
                   <a:srgbClr val="002060"/>
                 </a:solidFill>
@@ -15523,7 +15118,7 @@
               <a:buChar char="•"/>
             </a:pPr>
             <a:r>
-              <a:rPr lang="en-US" sz="2400" dirty="0" smtClean="0">
+              <a:rPr lang="en-US" sz="2400" dirty="0">
                 <a:solidFill>
                   <a:srgbClr val="002060"/>
                 </a:solidFill>
@@ -15534,7 +15129,7 @@
               <a:t>Input: </a:t>
             </a:r>
             <a:r>
-              <a:rPr lang="en-US" sz="2400" dirty="0" smtClean="0">
+              <a:rPr lang="en-US" sz="2400" dirty="0">
                 <a:solidFill>
                   <a:srgbClr val="FF0000"/>
                 </a:solidFill>
@@ -15545,7 +15140,7 @@
               <a:t>Panchromatic/RGB image </a:t>
             </a:r>
             <a:r>
-              <a:rPr lang="en-US" sz="2400" dirty="0" smtClean="0">
+              <a:rPr lang="en-US" sz="2400" dirty="0">
                 <a:solidFill>
                   <a:srgbClr val="002060"/>
                 </a:solidFill>
@@ -15556,7 +15151,7 @@
               <a:t>+ </a:t>
             </a:r>
             <a:r>
-              <a:rPr lang="en-US" sz="2400" dirty="0" smtClean="0">
+              <a:rPr lang="en-US" sz="2400" dirty="0">
                 <a:solidFill>
                   <a:srgbClr val="FF0000"/>
                 </a:solidFill>
@@ -15573,7 +15168,7 @@
               <a:buChar char="•"/>
             </a:pPr>
             <a:r>
-              <a:rPr lang="en-US" sz="2400" dirty="0" smtClean="0">
+              <a:rPr lang="en-US" sz="2400" dirty="0">
                 <a:solidFill>
                   <a:srgbClr val="002060"/>
                 </a:solidFill>
@@ -15584,7 +15179,7 @@
               <a:t>Output: </a:t>
             </a:r>
             <a:r>
-              <a:rPr lang="en-US" sz="2400" dirty="0" smtClean="0">
+              <a:rPr lang="en-US" sz="2400" dirty="0">
                 <a:solidFill>
                   <a:srgbClr val="00B050"/>
                 </a:solidFill>
@@ -15595,7 +15190,7 @@
               <a:t>refined DSM </a:t>
             </a:r>
             <a:r>
-              <a:rPr lang="en-US" sz="2400" dirty="0" smtClean="0">
+              <a:rPr lang="en-US" sz="2400" dirty="0">
                 <a:solidFill>
                   <a:srgbClr val="002060"/>
                 </a:solidFill>
@@ -15606,7 +15201,7 @@
               <a:t>+ </a:t>
             </a:r>
             <a:r>
-              <a:rPr lang="en-US" sz="2400" dirty="0" smtClean="0">
+              <a:rPr lang="en-US" sz="2400" dirty="0">
                 <a:solidFill>
                   <a:srgbClr val="00B050"/>
                 </a:solidFill>
@@ -15614,10 +15209,10 @@
                 <a:ea typeface="Tahoma" panose="020B0604030504040204" pitchFamily="34" charset="0"/>
                 <a:cs typeface="Tahoma" panose="020B0604030504040204" pitchFamily="34" charset="0"/>
               </a:rPr>
-              <a:t>building instance mask </a:t>
-            </a:r>
-            <a:r>
-              <a:rPr lang="en-US" sz="2400" dirty="0" smtClean="0">
+              <a:t>building instance mask (optional) </a:t>
+            </a:r>
+            <a:r>
+              <a:rPr lang="en-US" sz="2400" dirty="0">
                 <a:solidFill>
                   <a:srgbClr val="002060"/>
                 </a:solidFill>
@@ -15628,7 +15223,7 @@
               <a:t>+ </a:t>
             </a:r>
             <a:r>
-              <a:rPr lang="en-US" sz="2400" dirty="0" smtClean="0">
+              <a:rPr lang="en-US" sz="2400" dirty="0">
                 <a:solidFill>
                   <a:srgbClr val="00B050"/>
                 </a:solidFill>
@@ -15645,7 +15240,7 @@
               <a:buChar char="•"/>
             </a:pPr>
             <a:r>
-              <a:rPr lang="en-US" sz="2400" dirty="0" smtClean="0">
+              <a:rPr lang="en-US" sz="2400" dirty="0">
                 <a:solidFill>
                   <a:srgbClr val="002060"/>
                 </a:solidFill>
@@ -15662,7 +15257,7 @@
               <a:buChar char="•"/>
             </a:pPr>
             <a:r>
-              <a:rPr lang="en-US" sz="2400" dirty="0" smtClean="0">
+              <a:rPr lang="en-US" sz="2400" dirty="0">
                 <a:solidFill>
                   <a:srgbClr val="00B0F0"/>
                 </a:solidFill>
@@ -15673,7 +15268,7 @@
               <a:t>Connect the core points </a:t>
             </a:r>
             <a:r>
-              <a:rPr lang="en-US" sz="2400" dirty="0" smtClean="0">
+              <a:rPr lang="en-US" sz="2400" dirty="0">
                 <a:solidFill>
                   <a:srgbClr val="002060"/>
                 </a:solidFill>
@@ -15684,7 +15279,7 @@
               <a:t>with the help of all outputs to get </a:t>
             </a:r>
             <a:r>
-              <a:rPr lang="en-US" sz="2400" dirty="0" err="1" smtClean="0">
+              <a:rPr lang="en-US" sz="2400" dirty="0" err="1">
                 <a:solidFill>
                   <a:srgbClr val="00B050"/>
                 </a:solidFill>
@@ -15695,7 +15290,7 @@
               <a:t>vectorized</a:t>
             </a:r>
             <a:r>
-              <a:rPr lang="en-US" sz="2400" dirty="0" smtClean="0">
+              <a:rPr lang="en-US" sz="2400" dirty="0">
                 <a:solidFill>
                   <a:srgbClr val="00B050"/>
                 </a:solidFill>
@@ -15726,7 +15321,7 @@
               <a:buChar char="•"/>
             </a:pPr>
             <a:r>
-              <a:rPr lang="en-US" sz="2400" dirty="0" smtClean="0">
+              <a:rPr lang="en-US" sz="2400" dirty="0">
                 <a:solidFill>
                   <a:srgbClr val="002060"/>
                 </a:solidFill>
@@ -15743,7 +15338,7 @@
               <a:buChar char="•"/>
             </a:pPr>
             <a:r>
-              <a:rPr lang="en-US" sz="2400" dirty="0" smtClean="0">
+              <a:rPr lang="en-US" sz="2400" dirty="0">
                 <a:solidFill>
                   <a:srgbClr val="002060"/>
                 </a:solidFill>
@@ -15760,7 +15355,7 @@
               <a:buChar char="•"/>
             </a:pPr>
             <a:r>
-              <a:rPr lang="en-US" sz="2400" dirty="0" smtClean="0">
+              <a:rPr lang="en-US" sz="2400" dirty="0">
                 <a:solidFill>
                   <a:srgbClr val="002060"/>
                 </a:solidFill>
@@ -15777,7 +15372,7 @@
               <a:buChar char="•"/>
             </a:pPr>
             <a:r>
-              <a:rPr lang="en-US" sz="2400" dirty="0" smtClean="0">
+              <a:rPr lang="en-US" sz="2400" dirty="0">
                 <a:solidFill>
                   <a:srgbClr val="002060"/>
                 </a:solidFill>
@@ -15785,13 +15380,13 @@
                 <a:ea typeface="Tahoma" panose="020B0604030504040204" pitchFamily="34" charset="0"/>
                 <a:cs typeface="Tahoma" panose="020B0604030504040204" pitchFamily="34" charset="0"/>
               </a:rPr>
-              <a:t>Ground truth instance mask</a:t>
+              <a:t>Ground truth instance mask (optional)</a:t>
             </a:r>
           </a:p>
           <a:p>
             <a:pPr lvl="1"/>
             <a:r>
-              <a:rPr lang="en-US" sz="2400" dirty="0" smtClean="0">
+              <a:rPr lang="en-US" sz="2400" dirty="0">
                 <a:solidFill>
                   <a:srgbClr val="002060"/>
                 </a:solidFill>
@@ -15802,7 +15397,7 @@
               <a:t>All these three are to be generated from </a:t>
             </a:r>
             <a:r>
-              <a:rPr lang="en-US" sz="2400" dirty="0" err="1" smtClean="0">
+              <a:rPr lang="en-US" sz="2400" dirty="0" err="1">
                 <a:solidFill>
                   <a:srgbClr val="002060"/>
                 </a:solidFill>
@@ -15813,7 +15408,7 @@
               <a:t>cityGML</a:t>
             </a:r>
             <a:r>
-              <a:rPr lang="en-US" sz="2400" dirty="0" smtClean="0">
+              <a:rPr lang="en-US" sz="2400" dirty="0">
                 <a:solidFill>
                   <a:srgbClr val="002060"/>
                 </a:solidFill>
@@ -15866,13 +15461,6 @@
   <p:clrMapOvr>
     <a:masterClrMapping/>
   </p:clrMapOvr>
-  <p:timing>
-    <p:tnLst>
-      <p:par>
-        <p:cTn id="1" dur="indefinite" restart="never" nodeType="tmRoot"/>
-      </p:par>
-    </p:tnLst>
-  </p:timing>
 </p:sld>
 </file>
 
@@ -15976,7 +15564,7 @@
           <a:lstStyle/>
           <a:p>
             <a:r>
-              <a:rPr lang="en-US" sz="3200" dirty="0" smtClean="0">
+              <a:rPr lang="en-US" sz="3200" dirty="0">
                 <a:latin typeface="Tahoma" panose="020B0604030504040204" pitchFamily="34" charset="0"/>
                 <a:ea typeface="Tahoma" panose="020B0604030504040204" pitchFamily="34" charset="0"/>
                 <a:cs typeface="Tahoma" panose="020B0604030504040204" pitchFamily="34" charset="0"/>
@@ -16037,7 +15625,7 @@
           <a:lstStyle/>
           <a:p>
             <a:r>
-              <a:rPr lang="en-US" sz="2400" dirty="0" smtClean="0">
+              <a:rPr lang="en-US" sz="2400" dirty="0">
                 <a:solidFill>
                   <a:srgbClr val="002060"/>
                 </a:solidFill>
@@ -16048,7 +15636,7 @@
               <a:t>1</a:t>
             </a:r>
             <a:r>
-              <a:rPr lang="en-US" sz="2400" baseline="30000" dirty="0" smtClean="0">
+              <a:rPr lang="en-US" sz="2400" baseline="30000" dirty="0">
                 <a:solidFill>
                   <a:srgbClr val="002060"/>
                 </a:solidFill>
@@ -16059,7 +15647,7 @@
               <a:t>st</a:t>
             </a:r>
             <a:r>
-              <a:rPr lang="en-US" sz="2400" dirty="0" smtClean="0">
+              <a:rPr lang="en-US" sz="2400" dirty="0">
                 <a:solidFill>
                   <a:srgbClr val="002060"/>
                 </a:solidFill>
@@ -16076,7 +15664,7 @@
               <a:buChar char="•"/>
             </a:pPr>
             <a:r>
-              <a:rPr lang="en-US" sz="2400" dirty="0" smtClean="0">
+              <a:rPr lang="en-US" sz="2400" dirty="0">
                 <a:solidFill>
                   <a:srgbClr val="002060"/>
                 </a:solidFill>
@@ -16086,14 +15674,6 @@
               </a:rPr>
               <a:t>Literature review</a:t>
             </a:r>
-            <a:endParaRPr lang="en-US" sz="2400" dirty="0" smtClean="0">
-              <a:solidFill>
-                <a:srgbClr val="002060"/>
-              </a:solidFill>
-              <a:latin typeface="Tahoma" panose="020B0604030504040204" pitchFamily="34" charset="0"/>
-              <a:ea typeface="Tahoma" panose="020B0604030504040204" pitchFamily="34" charset="0"/>
-              <a:cs typeface="Tahoma" panose="020B0604030504040204" pitchFamily="34" charset="0"/>
-            </a:endParaRPr>
           </a:p>
           <a:p>
             <a:pPr marL="800100" lvl="1" indent="-342900">
@@ -16101,7 +15681,7 @@
               <a:buChar char="•"/>
             </a:pPr>
             <a:r>
-              <a:rPr lang="en-US" sz="2400" dirty="0" smtClean="0">
+              <a:rPr lang="en-US" sz="2400" dirty="0">
                 <a:solidFill>
                   <a:srgbClr val="002060"/>
                 </a:solidFill>
@@ -16118,7 +15698,7 @@
               <a:buChar char="•"/>
             </a:pPr>
             <a:r>
-              <a:rPr lang="en-US" sz="2400" dirty="0" smtClean="0">
+              <a:rPr lang="en-US" sz="2400" dirty="0">
                 <a:solidFill>
                   <a:srgbClr val="002060"/>
                 </a:solidFill>
@@ -16131,7 +15711,7 @@
           </a:p>
           <a:p>
             <a:r>
-              <a:rPr lang="en-US" sz="2400" dirty="0" smtClean="0">
+              <a:rPr lang="en-US" sz="2400" dirty="0">
                 <a:solidFill>
                   <a:srgbClr val="002060"/>
                 </a:solidFill>
@@ -16142,7 +15722,7 @@
               <a:t>2</a:t>
             </a:r>
             <a:r>
-              <a:rPr lang="en-US" sz="2400" baseline="30000" dirty="0" smtClean="0">
+              <a:rPr lang="en-US" sz="2400" baseline="30000" dirty="0">
                 <a:solidFill>
                   <a:srgbClr val="002060"/>
                 </a:solidFill>
@@ -16153,7 +15733,7 @@
               <a:t>nd</a:t>
             </a:r>
             <a:r>
-              <a:rPr lang="en-US" sz="2400" dirty="0" smtClean="0">
+              <a:rPr lang="en-US" sz="2400" dirty="0">
                 <a:solidFill>
                   <a:srgbClr val="002060"/>
                 </a:solidFill>
@@ -16164,7 +15744,7 @@
               <a:t> </a:t>
             </a:r>
             <a:r>
-              <a:rPr lang="en-DE" sz="2400" dirty="0" smtClean="0">
+              <a:rPr lang="en-DE" sz="2400" dirty="0">
                 <a:solidFill>
                   <a:srgbClr val="002060"/>
                 </a:solidFill>
@@ -16175,7 +15755,7 @@
               <a:t>–</a:t>
             </a:r>
             <a:r>
-              <a:rPr lang="en-US" sz="2400" dirty="0" smtClean="0">
+              <a:rPr lang="en-US" sz="2400" dirty="0">
                 <a:solidFill>
                   <a:srgbClr val="002060"/>
                 </a:solidFill>
@@ -16186,7 +15766,7 @@
               <a:t> 3</a:t>
             </a:r>
             <a:r>
-              <a:rPr lang="en-US" sz="2400" baseline="30000" dirty="0" smtClean="0">
+              <a:rPr lang="en-US" sz="2400" baseline="30000" dirty="0">
                 <a:solidFill>
                   <a:srgbClr val="002060"/>
                 </a:solidFill>
@@ -16197,7 +15777,7 @@
               <a:t>rd</a:t>
             </a:r>
             <a:r>
-              <a:rPr lang="en-US" sz="2400" dirty="0" smtClean="0">
+              <a:rPr lang="en-US" sz="2400" dirty="0">
                 <a:solidFill>
                   <a:srgbClr val="002060"/>
                 </a:solidFill>
@@ -16214,7 +15794,7 @@
               <a:buChar char="•"/>
             </a:pPr>
             <a:r>
-              <a:rPr lang="en-US" sz="2400" dirty="0" smtClean="0">
+              <a:rPr lang="en-US" sz="2400" dirty="0">
                 <a:solidFill>
                   <a:srgbClr val="002060"/>
                 </a:solidFill>
@@ -16231,7 +15811,7 @@
               <a:buChar char="•"/>
             </a:pPr>
             <a:r>
-              <a:rPr lang="en-US" sz="2400" dirty="0" smtClean="0">
+              <a:rPr lang="en-US" sz="2400" dirty="0">
                 <a:solidFill>
                   <a:srgbClr val="002060"/>
                 </a:solidFill>
@@ -16244,7 +15824,7 @@
           </a:p>
           <a:p>
             <a:r>
-              <a:rPr lang="en-US" sz="2400" dirty="0" smtClean="0">
+              <a:rPr lang="en-US" sz="2400" dirty="0">
                 <a:solidFill>
                   <a:srgbClr val="002060"/>
                 </a:solidFill>
@@ -16255,7 +15835,7 @@
               <a:t>4</a:t>
             </a:r>
             <a:r>
-              <a:rPr lang="en-US" sz="2400" baseline="30000" dirty="0" smtClean="0">
+              <a:rPr lang="en-US" sz="2400" baseline="30000" dirty="0">
                 <a:solidFill>
                   <a:srgbClr val="002060"/>
                 </a:solidFill>
@@ -16266,7 +15846,7 @@
               <a:t>th</a:t>
             </a:r>
             <a:r>
-              <a:rPr lang="en-US" sz="2400" dirty="0" smtClean="0">
+              <a:rPr lang="en-US" sz="2400" dirty="0">
                 <a:solidFill>
                   <a:srgbClr val="002060"/>
                 </a:solidFill>
@@ -16277,7 +15857,7 @@
               <a:t> </a:t>
             </a:r>
             <a:r>
-              <a:rPr lang="en-DE" sz="2400" dirty="0" smtClean="0">
+              <a:rPr lang="en-DE" sz="2400" dirty="0">
                 <a:solidFill>
                   <a:srgbClr val="002060"/>
                 </a:solidFill>
@@ -16288,7 +15868,7 @@
               <a:t>–</a:t>
             </a:r>
             <a:r>
-              <a:rPr lang="en-US" sz="2400" dirty="0" smtClean="0">
+              <a:rPr lang="en-US" sz="2400" dirty="0">
                 <a:solidFill>
                   <a:srgbClr val="002060"/>
                 </a:solidFill>
@@ -16299,7 +15879,7 @@
               <a:t> 5</a:t>
             </a:r>
             <a:r>
-              <a:rPr lang="en-US" sz="2400" baseline="30000" dirty="0" smtClean="0">
+              <a:rPr lang="en-US" sz="2400" baseline="30000" dirty="0">
                 <a:solidFill>
                   <a:srgbClr val="002060"/>
                 </a:solidFill>
@@ -16310,7 +15890,7 @@
               <a:t>th</a:t>
             </a:r>
             <a:r>
-              <a:rPr lang="en-US" sz="2400" dirty="0" smtClean="0">
+              <a:rPr lang="en-US" sz="2400" dirty="0">
                 <a:solidFill>
                   <a:srgbClr val="002060"/>
                 </a:solidFill>
@@ -16327,7 +15907,7 @@
               <a:buChar char="•"/>
             </a:pPr>
             <a:r>
-              <a:rPr lang="en-US" altLang="zh-CN" sz="2400" dirty="0" smtClean="0">
+              <a:rPr lang="en-US" altLang="zh-CN" sz="2400" dirty="0">
                 <a:solidFill>
                   <a:srgbClr val="002060"/>
                 </a:solidFill>
@@ -16338,7 +15918,7 @@
               <a:t>Test different network structures (decoder, attention, </a:t>
             </a:r>
             <a:r>
-              <a:rPr lang="en-DE" altLang="zh-CN" sz="2400" dirty="0" smtClean="0">
+              <a:rPr lang="en-DE" altLang="zh-CN" sz="2400" dirty="0">
                 <a:solidFill>
                   <a:srgbClr val="002060"/>
                 </a:solidFill>
@@ -16349,7 +15929,7 @@
               <a:t>…</a:t>
             </a:r>
             <a:r>
-              <a:rPr lang="en-US" altLang="zh-CN" sz="2400" dirty="0" smtClean="0">
+              <a:rPr lang="en-US" altLang="zh-CN" sz="2400" dirty="0">
                 <a:solidFill>
                   <a:srgbClr val="002060"/>
                 </a:solidFill>
@@ -16366,7 +15946,7 @@
               <a:buChar char="•"/>
             </a:pPr>
             <a:r>
-              <a:rPr lang="en-US" sz="2400" dirty="0" smtClean="0">
+              <a:rPr lang="en-US" sz="2400" dirty="0">
                 <a:solidFill>
                   <a:srgbClr val="002060"/>
                 </a:solidFill>
@@ -16374,10 +15954,10 @@
                 <a:ea typeface="Tahoma" panose="020B0604030504040204" pitchFamily="34" charset="0"/>
                 <a:cs typeface="Tahoma" panose="020B0604030504040204" pitchFamily="34" charset="0"/>
               </a:rPr>
-              <a:t>Test different optimization methods (losses</a:t>
-            </a:r>
-            <a:r>
-              <a:rPr lang="en-US" sz="2400" dirty="0" smtClean="0">
+              <a:t>Test different optimization methods (losses, SN, </a:t>
+            </a:r>
+            <a:r>
+              <a:rPr lang="en-DE" sz="2400" dirty="0">
                 <a:solidFill>
                   <a:srgbClr val="002060"/>
                 </a:solidFill>
@@ -16385,21 +15965,10 @@
                 <a:ea typeface="Tahoma" panose="020B0604030504040204" pitchFamily="34" charset="0"/>
                 <a:cs typeface="Tahoma" panose="020B0604030504040204" pitchFamily="34" charset="0"/>
               </a:rPr>
-              <a:t>, SN, </a:t>
-            </a:r>
-            <a:r>
-              <a:rPr lang="en-DE" sz="2400" dirty="0" smtClean="0">
-                <a:solidFill>
-                  <a:srgbClr val="002060"/>
-                </a:solidFill>
-                <a:latin typeface="Tahoma" panose="020B0604030504040204" pitchFamily="34" charset="0"/>
-                <a:ea typeface="Tahoma" panose="020B0604030504040204" pitchFamily="34" charset="0"/>
-                <a:cs typeface="Tahoma" panose="020B0604030504040204" pitchFamily="34" charset="0"/>
-              </a:rPr>
               <a:t>…</a:t>
             </a:r>
             <a:r>
-              <a:rPr lang="en-US" sz="2400" dirty="0" smtClean="0">
+              <a:rPr lang="en-US" sz="2400" dirty="0">
                 <a:solidFill>
                   <a:srgbClr val="002060"/>
                 </a:solidFill>
@@ -16416,7 +15985,7 @@
               <a:buChar char="•"/>
             </a:pPr>
             <a:r>
-              <a:rPr lang="en-US" sz="2400" dirty="0" smtClean="0">
+              <a:rPr lang="en-US" sz="2400" dirty="0">
                 <a:solidFill>
                   <a:srgbClr val="002060"/>
                 </a:solidFill>
@@ -16427,7 +15996,7 @@
               <a:t>Change input optic images (WV-1 pan only </a:t>
             </a:r>
             <a:r>
-              <a:rPr lang="en-DE" sz="2400" dirty="0" smtClean="0">
+              <a:rPr lang="en-DE" sz="2400" dirty="0">
                 <a:solidFill>
                   <a:srgbClr val="002060"/>
                 </a:solidFill>
@@ -16439,7 +16008,7 @@
               <a:t></a:t>
             </a:r>
             <a:r>
-              <a:rPr lang="en-US" sz="2400" dirty="0" smtClean="0">
+              <a:rPr lang="en-US" sz="2400" dirty="0">
                 <a:solidFill>
                   <a:srgbClr val="002060"/>
                 </a:solidFill>
@@ -16451,7 +16020,7 @@
               <a:t> WV-4 </a:t>
             </a:r>
             <a:r>
-              <a:rPr lang="en-US" sz="2400" dirty="0" err="1" smtClean="0">
+              <a:rPr lang="en-US" sz="2400" dirty="0" err="1">
                 <a:solidFill>
                   <a:srgbClr val="002060"/>
                 </a:solidFill>
@@ -16463,7 +16032,7 @@
               <a:t>RGB+pan</a:t>
             </a:r>
             <a:r>
-              <a:rPr lang="en-US" sz="2400" dirty="0" smtClean="0">
+              <a:rPr lang="en-US" sz="2400" dirty="0">
                 <a:solidFill>
                   <a:srgbClr val="002060"/>
                 </a:solidFill>
@@ -16480,7 +16049,7 @@
               <a:buChar char="•"/>
             </a:pPr>
             <a:r>
-              <a:rPr lang="en-US" sz="2400" dirty="0" smtClean="0">
+              <a:rPr lang="en-US" sz="2400" dirty="0">
                 <a:solidFill>
                   <a:srgbClr val="002060"/>
                 </a:solidFill>
@@ -16493,7 +16062,7 @@
           </a:p>
           <a:p>
             <a:r>
-              <a:rPr lang="en-US" sz="2400" dirty="0" smtClean="0">
+              <a:rPr lang="en-US" sz="2400" dirty="0">
                 <a:solidFill>
                   <a:srgbClr val="002060"/>
                 </a:solidFill>
@@ -16504,7 +16073,7 @@
               <a:t>6</a:t>
             </a:r>
             <a:r>
-              <a:rPr lang="en-US" sz="2400" baseline="30000" dirty="0" smtClean="0">
+              <a:rPr lang="en-US" sz="2400" baseline="30000" dirty="0">
                 <a:solidFill>
                   <a:srgbClr val="002060"/>
                 </a:solidFill>
@@ -16515,7 +16084,7 @@
               <a:t>th</a:t>
             </a:r>
             <a:r>
-              <a:rPr lang="en-US" sz="2400" dirty="0" smtClean="0">
+              <a:rPr lang="en-US" sz="2400" dirty="0">
                 <a:solidFill>
                   <a:srgbClr val="002060"/>
                 </a:solidFill>
@@ -16532,7 +16101,7 @@
               <a:buChar char="•"/>
             </a:pPr>
             <a:r>
-              <a:rPr lang="en-US" sz="2400" dirty="0" smtClean="0">
+              <a:rPr lang="en-US" sz="2400" dirty="0">
                 <a:solidFill>
                   <a:srgbClr val="002060"/>
                 </a:solidFill>
@@ -16542,14 +16111,6 @@
               </a:rPr>
               <a:t>Write thesis and prepare final presentation</a:t>
             </a:r>
-            <a:endParaRPr lang="en-US" sz="2400" dirty="0" smtClean="0">
-              <a:solidFill>
-                <a:srgbClr val="002060"/>
-              </a:solidFill>
-              <a:latin typeface="Tahoma" panose="020B0604030504040204" pitchFamily="34" charset="0"/>
-              <a:ea typeface="Tahoma" panose="020B0604030504040204" pitchFamily="34" charset="0"/>
-              <a:cs typeface="Tahoma" panose="020B0604030504040204" pitchFamily="34" charset="0"/>
-            </a:endParaRPr>
           </a:p>
         </p:txBody>
       </p:sp>
@@ -16593,13 +16154,6 @@
   <p:clrMapOvr>
     <a:masterClrMapping/>
   </p:clrMapOvr>
-  <p:timing>
-    <p:tnLst>
-      <p:par>
-        <p:cTn id="1" dur="indefinite" restart="never" nodeType="tmRoot"/>
-      </p:par>
-    </p:tnLst>
-  </p:timing>
 </p:sld>
 </file>
 

--- a/assets/reports/20201015_introduction.pptx
+++ b/assets/reports/20201015_introduction.pptx
@@ -140,20 +140,6 @@
 </p:cmAuthorLst>
 </file>
 
-<file path=ppt/comments/comment1.xml><?xml version="1.0" encoding="utf-8"?>
-<p:cmLst xmlns:a="http://schemas.openxmlformats.org/drawingml/2006/main" xmlns:r="http://schemas.openxmlformats.org/officeDocument/2006/relationships" xmlns:p="http://schemas.openxmlformats.org/presentationml/2006/main">
-  <p:cm authorId="1" dt="2020-10-14T11:05:01.209" idx="3">
-    <p:pos x="1464" y="798"/>
-    <p:text>new definition?</p:text>
-    <p:extLst>
-      <p:ext uri="{C676402C-5697-4E1C-873F-D02D1690AC5C}">
-        <p15:threadingInfo xmlns:p15="http://schemas.microsoft.com/office/powerpoint/2012/main" timeZoneBias="-120"/>
-      </p:ext>
-    </p:extLst>
-  </p:cm>
-</p:cmLst>
-</file>
-
 <file path=ppt/handoutMasters/handoutMaster1.xml><?xml version="1.0" encoding="utf-8"?>
 <p:handoutMaster xmlns:a="http://schemas.openxmlformats.org/drawingml/2006/main" xmlns:r="http://schemas.openxmlformats.org/officeDocument/2006/relationships" xmlns:p="http://schemas.openxmlformats.org/presentationml/2006/main">
   <p:cSld>
@@ -239,7 +225,7 @@
           <a:p>
             <a:fld id="{B4F92756-C5E1-414C-8D5B-61B7E77715E2}" type="datetimeFigureOut">
               <a:rPr lang="en-US" smtClean="0"/>
-              <a:t>10/14/2020</a:t>
+              <a:t>10/15/2020</a:t>
             </a:fld>
             <a:endParaRPr lang="en-US"/>
           </a:p>
@@ -408,7 +394,7 @@
           <a:p>
             <a:fld id="{DBA1148A-302C-4EB9-A1FB-86FEBAF3649D}" type="datetimeFigureOut">
               <a:rPr lang="en-US" smtClean="0"/>
-              <a:t>10/14/2020</a:t>
+              <a:t>10/15/2020</a:t>
             </a:fld>
             <a:endParaRPr lang="en-US"/>
           </a:p>
@@ -939,7 +925,7 @@
           <a:p>
             <a:fld id="{D297983E-23AF-46F8-876A-BC580C1FAACC}" type="datetime1">
               <a:rPr lang="en-US" smtClean="0"/>
-              <a:t>10/14/2020</a:t>
+              <a:t>10/15/2020</a:t>
             </a:fld>
             <a:endParaRPr lang="en-US"/>
           </a:p>
@@ -1133,7 +1119,7 @@
           <a:p>
             <a:fld id="{52A45906-4D2D-4E18-B9FE-9E3145B39EAE}" type="datetime1">
               <a:rPr lang="en-US" smtClean="0"/>
-              <a:t>10/14/2020</a:t>
+              <a:t>10/15/2020</a:t>
             </a:fld>
             <a:endParaRPr lang="en-US"/>
           </a:p>
@@ -7437,7 +7423,7 @@
           <a:p>
             <a:fld id="{456A3C91-B8C5-425F-9BFC-06B81986C584}" type="datetime1">
               <a:rPr lang="en-US" smtClean="0"/>
-              <a:t>10/14/2020</a:t>
+              <a:t>10/15/2020</a:t>
             </a:fld>
             <a:endParaRPr lang="en-US"/>
           </a:p>
@@ -8715,7 +8701,7 @@
           <a:p>
             <a:fld id="{A9D1A30E-DE6B-4770-8757-4DEC6351863C}" type="datetime1">
               <a:rPr lang="en-US" smtClean="0"/>
-              <a:t>10/14/2020</a:t>
+              <a:t>10/15/2020</a:t>
             </a:fld>
             <a:endParaRPr lang="en-US" dirty="0"/>
           </a:p>
@@ -9095,7 +9081,7 @@
           <a:p>
             <a:fld id="{71060DF7-3B66-43F4-ABA6-8DE1125C1915}" type="datetime1">
               <a:rPr lang="en-US" smtClean="0"/>
-              <a:t>10/14/2020</a:t>
+              <a:t>10/15/2020</a:t>
             </a:fld>
             <a:endParaRPr lang="en-US"/>
           </a:p>
@@ -9228,7 +9214,7 @@
           <a:p>
             <a:fld id="{9F8FB16D-8B03-47E2-9BF4-98200CBA3CA6}" type="datetime1">
               <a:rPr lang="en-US" smtClean="0"/>
-              <a:t>10/14/2020</a:t>
+              <a:t>10/15/2020</a:t>
             </a:fld>
             <a:endParaRPr lang="en-US"/>
           </a:p>
@@ -9339,7 +9325,7 @@
           <a:p>
             <a:fld id="{A7875D1E-13AE-46BB-8C89-5C78B94C366E}" type="datetime1">
               <a:rPr lang="en-US" smtClean="0"/>
-              <a:t>10/14/2020</a:t>
+              <a:t>10/15/2020</a:t>
             </a:fld>
             <a:endParaRPr lang="en-US"/>
           </a:p>
@@ -9630,7 +9616,7 @@
           <a:p>
             <a:fld id="{296CB1A1-10B4-4A56-9A36-6D445BD9D6E5}" type="datetime1">
               <a:rPr lang="en-US" smtClean="0"/>
-              <a:t>10/14/2020</a:t>
+              <a:t>10/15/2020</a:t>
             </a:fld>
             <a:endParaRPr lang="en-US"/>
           </a:p>
@@ -9901,7 +9887,7 @@
           <a:p>
             <a:fld id="{ED2AB522-E6A2-4B46-A750-7AF9600B9FCE}" type="datetime1">
               <a:rPr lang="en-US" smtClean="0"/>
-              <a:t>10/14/2020</a:t>
+              <a:t>10/15/2020</a:t>
             </a:fld>
             <a:endParaRPr lang="en-US"/>
           </a:p>
@@ -12943,8 +12929,8 @@
           </a:p>
         </p:txBody>
       </p:sp>
-      <mc:AlternateContent xmlns:mc="http://schemas.openxmlformats.org/markup-compatibility/2006">
-        <mc:Choice xmlns:a14="http://schemas.microsoft.com/office/drawing/2010/main" Requires="a14">
+      <mc:AlternateContent xmlns:mc="http://schemas.openxmlformats.org/markup-compatibility/2006" xmlns:a14="http://schemas.microsoft.com/office/drawing/2010/main">
+        <mc:Choice Requires="a14">
           <p:sp>
             <p:nvSpPr>
               <p:cNvPr id="9" name="TextBox 8"/>
@@ -13381,7 +13367,7 @@
             </p:txBody>
           </p:sp>
         </mc:Choice>
-        <mc:Fallback>
+        <mc:Fallback xmlns="">
           <p:sp>
             <p:nvSpPr>
               <p:cNvPr id="9" name="TextBox 8"/>
@@ -14392,8 +14378,8 @@
         </p:blipFill>
         <p:spPr>
           <a:xfrm>
-            <a:off x="2700996" y="2019543"/>
-            <a:ext cx="6790008" cy="3345470"/>
+            <a:off x="2306046" y="1927678"/>
+            <a:ext cx="7579907" cy="3734657"/>
           </a:xfrm>
           <a:prstGeom prst="rect">
             <a:avLst/>
@@ -14582,7 +14568,7 @@
                 <a:ea typeface="Tahoma" panose="020B0604030504040204" pitchFamily="34" charset="0"/>
                 <a:cs typeface="Tahoma" panose="020B0604030504040204" pitchFamily="34" charset="0"/>
               </a:rPr>
-              <a:t>Building instance segmentation</a:t>
+              <a:t>Building instance segmentation (optional)</a:t>
             </a:r>
             <a:r>
               <a:rPr lang="en-US" sz="2400" dirty="0">
@@ -14801,7 +14787,7 @@
               <a:buChar char="•"/>
             </a:pPr>
             <a:r>
-              <a:rPr lang="en-US" sz="2400" dirty="0">
+              <a:rPr lang="en-US" sz="2400">
                 <a:solidFill>
                   <a:srgbClr val="002060"/>
                 </a:solidFill>
@@ -14809,7 +14795,18 @@
                 <a:ea typeface="Tahoma" panose="020B0604030504040204" pitchFamily="34" charset="0"/>
                 <a:cs typeface="Tahoma" panose="020B0604030504040204" pitchFamily="34" charset="0"/>
               </a:rPr>
-              <a:t>In my case, </a:t>
+              <a:t>In our </a:t>
+            </a:r>
+            <a:r>
+              <a:rPr lang="en-US" sz="2400" dirty="0">
+                <a:solidFill>
+                  <a:srgbClr val="002060"/>
+                </a:solidFill>
+                <a:latin typeface="Tahoma" panose="020B0604030504040204" pitchFamily="34" charset="0"/>
+                <a:ea typeface="Tahoma" panose="020B0604030504040204" pitchFamily="34" charset="0"/>
+                <a:cs typeface="Tahoma" panose="020B0604030504040204" pitchFamily="34" charset="0"/>
+              </a:rPr>
+              <a:t>case, </a:t>
             </a:r>
             <a:r>
               <a:rPr lang="en-US" sz="2400" dirty="0">

--- a/assets/reports/20201015_introduction.pptx
+++ b/assets/reports/20201015_introduction.pptx
@@ -225,7 +225,7 @@
           <a:p>
             <a:fld id="{B4F92756-C5E1-414C-8D5B-61B7E77715E2}" type="datetimeFigureOut">
               <a:rPr lang="en-US" smtClean="0"/>
-              <a:t>10/15/2020</a:t>
+              <a:t>12/7/2020</a:t>
             </a:fld>
             <a:endParaRPr lang="en-US"/>
           </a:p>
@@ -394,7 +394,7 @@
           <a:p>
             <a:fld id="{DBA1148A-302C-4EB9-A1FB-86FEBAF3649D}" type="datetimeFigureOut">
               <a:rPr lang="en-US" smtClean="0"/>
-              <a:t>10/15/2020</a:t>
+              <a:t>12/7/2020</a:t>
             </a:fld>
             <a:endParaRPr lang="en-US"/>
           </a:p>
@@ -925,7 +925,7 @@
           <a:p>
             <a:fld id="{D297983E-23AF-46F8-876A-BC580C1FAACC}" type="datetime1">
               <a:rPr lang="en-US" smtClean="0"/>
-              <a:t>10/15/2020</a:t>
+              <a:t>12/7/2020</a:t>
             </a:fld>
             <a:endParaRPr lang="en-US"/>
           </a:p>
@@ -1119,7 +1119,7 @@
           <a:p>
             <a:fld id="{52A45906-4D2D-4E18-B9FE-9E3145B39EAE}" type="datetime1">
               <a:rPr lang="en-US" smtClean="0"/>
-              <a:t>10/15/2020</a:t>
+              <a:t>12/7/2020</a:t>
             </a:fld>
             <a:endParaRPr lang="en-US"/>
           </a:p>
@@ -7423,7 +7423,7 @@
           <a:p>
             <a:fld id="{456A3C91-B8C5-425F-9BFC-06B81986C584}" type="datetime1">
               <a:rPr lang="en-US" smtClean="0"/>
-              <a:t>10/15/2020</a:t>
+              <a:t>12/7/2020</a:t>
             </a:fld>
             <a:endParaRPr lang="en-US"/>
           </a:p>
@@ -8701,7 +8701,7 @@
           <a:p>
             <a:fld id="{A9D1A30E-DE6B-4770-8757-4DEC6351863C}" type="datetime1">
               <a:rPr lang="en-US" smtClean="0"/>
-              <a:t>10/15/2020</a:t>
+              <a:t>12/7/2020</a:t>
             </a:fld>
             <a:endParaRPr lang="en-US" dirty="0"/>
           </a:p>
@@ -9081,7 +9081,7 @@
           <a:p>
             <a:fld id="{71060DF7-3B66-43F4-ABA6-8DE1125C1915}" type="datetime1">
               <a:rPr lang="en-US" smtClean="0"/>
-              <a:t>10/15/2020</a:t>
+              <a:t>12/7/2020</a:t>
             </a:fld>
             <a:endParaRPr lang="en-US"/>
           </a:p>
@@ -9214,7 +9214,7 @@
           <a:p>
             <a:fld id="{9F8FB16D-8B03-47E2-9BF4-98200CBA3CA6}" type="datetime1">
               <a:rPr lang="en-US" smtClean="0"/>
-              <a:t>10/15/2020</a:t>
+              <a:t>12/7/2020</a:t>
             </a:fld>
             <a:endParaRPr lang="en-US"/>
           </a:p>
@@ -9325,7 +9325,7 @@
           <a:p>
             <a:fld id="{A7875D1E-13AE-46BB-8C89-5C78B94C366E}" type="datetime1">
               <a:rPr lang="en-US" smtClean="0"/>
-              <a:t>10/15/2020</a:t>
+              <a:t>12/7/2020</a:t>
             </a:fld>
             <a:endParaRPr lang="en-US"/>
           </a:p>
@@ -9616,7 +9616,7 @@
           <a:p>
             <a:fld id="{296CB1A1-10B4-4A56-9A36-6D445BD9D6E5}" type="datetime1">
               <a:rPr lang="en-US" smtClean="0"/>
-              <a:t>10/15/2020</a:t>
+              <a:t>12/7/2020</a:t>
             </a:fld>
             <a:endParaRPr lang="en-US"/>
           </a:p>
@@ -9887,7 +9887,7 @@
           <a:p>
             <a:fld id="{ED2AB522-E6A2-4B46-A750-7AF9600B9FCE}" type="datetime1">
               <a:rPr lang="en-US" smtClean="0"/>
-              <a:t>10/15/2020</a:t>
+              <a:t>12/7/2020</a:t>
             </a:fld>
             <a:endParaRPr lang="en-US"/>
           </a:p>
@@ -11274,7 +11274,7 @@
         <p:spPr>
           <a:xfrm>
             <a:off x="8469948" y="4264634"/>
-            <a:ext cx="3286028" cy="646331"/>
+            <a:ext cx="3362972" cy="646331"/>
           </a:xfrm>
           <a:prstGeom prst="rect">
             <a:avLst/>
@@ -11322,12 +11322,12 @@
               <a:t>                 Prof. </a:t>
             </a:r>
             <a:r>
-              <a:rPr lang="en-US" dirty="0" err="1">
+              <a:rPr lang="en-US" dirty="0" smtClean="0">
                 <a:latin typeface="Tahoma" panose="020B0604030504040204" pitchFamily="34" charset="0"/>
                 <a:ea typeface="Tahoma" panose="020B0604030504040204" pitchFamily="34" charset="0"/>
                 <a:cs typeface="Tahoma" panose="020B0604030504040204" pitchFamily="34" charset="0"/>
               </a:rPr>
-              <a:t>Norber</a:t>
+              <a:t>Norbert </a:t>
             </a:r>
             <a:r>
               <a:rPr lang="en-US" dirty="0">
@@ -11335,21 +11335,8 @@
                 <a:ea typeface="Tahoma" panose="020B0604030504040204" pitchFamily="34" charset="0"/>
                 <a:cs typeface="Tahoma" panose="020B0604030504040204" pitchFamily="34" charset="0"/>
               </a:rPr>
-              <a:t> </a:t>
-            </a:r>
-            <a:r>
-              <a:rPr lang="en-US" dirty="0" err="1">
-                <a:latin typeface="Tahoma" panose="020B0604030504040204" pitchFamily="34" charset="0"/>
-                <a:ea typeface="Tahoma" panose="020B0604030504040204" pitchFamily="34" charset="0"/>
-                <a:cs typeface="Tahoma" panose="020B0604030504040204" pitchFamily="34" charset="0"/>
-              </a:rPr>
               <a:t>Haala</a:t>
             </a:r>
-            <a:endParaRPr lang="en-US" dirty="0">
-              <a:latin typeface="Tahoma" panose="020B0604030504040204" pitchFamily="34" charset="0"/>
-              <a:ea typeface="Tahoma" panose="020B0604030504040204" pitchFamily="34" charset="0"/>
-              <a:cs typeface="Tahoma" panose="020B0604030504040204" pitchFamily="34" charset="0"/>
-            </a:endParaRPr>
           </a:p>
         </p:txBody>
       </p:sp>
